--- a/Чётно-нечётная сортировка.pptx
+++ b/Чётно-нечётная сортировка.pptx
@@ -18,6 +18,8 @@
     <p:sldId id="263" r:id="rId12"/>
     <p:sldId id="265" r:id="rId13"/>
     <p:sldId id="266" r:id="rId14"/>
+    <p:sldId id="269" r:id="rId15"/>
+    <p:sldId id="270" r:id="rId16"/>
   </p:sldIdLst>
   <p:sldSz cx="12192000" cy="6858000"/>
   <p:notesSz cx="6858000" cy="9144000"/>
@@ -846,7 +848,7 @@
           <a:p>
             <a:fld id="{8AEF743B-45FA-4944-8FFC-680D000DE993}" type="datetimeFigureOut">
               <a:rPr lang="ru-RU" smtClean="0"/>
-              <a:t>01.04.2014</a:t>
+              <a:t>08.04.2014</a:t>
             </a:fld>
             <a:endParaRPr lang="ru-RU"/>
           </a:p>
@@ -1097,7 +1099,7 @@
           <a:p>
             <a:fld id="{8AEF743B-45FA-4944-8FFC-680D000DE993}" type="datetimeFigureOut">
               <a:rPr lang="ru-RU" smtClean="0"/>
-              <a:t>01.04.2014</a:t>
+              <a:t>08.04.2014</a:t>
             </a:fld>
             <a:endParaRPr lang="ru-RU"/>
           </a:p>
@@ -1411,7 +1413,7 @@
           <a:p>
             <a:fld id="{8AEF743B-45FA-4944-8FFC-680D000DE993}" type="datetimeFigureOut">
               <a:rPr lang="ru-RU" smtClean="0"/>
-              <a:t>01.04.2014</a:t>
+              <a:t>08.04.2014</a:t>
             </a:fld>
             <a:endParaRPr lang="ru-RU"/>
           </a:p>
@@ -1752,7 +1754,7 @@
           <a:p>
             <a:fld id="{8AEF743B-45FA-4944-8FFC-680D000DE993}" type="datetimeFigureOut">
               <a:rPr lang="ru-RU" smtClean="0"/>
-              <a:t>01.04.2014</a:t>
+              <a:t>08.04.2014</a:t>
             </a:fld>
             <a:endParaRPr lang="ru-RU"/>
           </a:p>
@@ -2066,7 +2068,7 @@
           <a:p>
             <a:fld id="{8AEF743B-45FA-4944-8FFC-680D000DE993}" type="datetimeFigureOut">
               <a:rPr lang="ru-RU" smtClean="0"/>
-              <a:t>01.04.2014</a:t>
+              <a:t>08.04.2014</a:t>
             </a:fld>
             <a:endParaRPr lang="ru-RU"/>
           </a:p>
@@ -2459,7 +2461,7 @@
           <a:p>
             <a:fld id="{8AEF743B-45FA-4944-8FFC-680D000DE993}" type="datetimeFigureOut">
               <a:rPr lang="ru-RU" smtClean="0"/>
-              <a:t>01.04.2014</a:t>
+              <a:t>08.04.2014</a:t>
             </a:fld>
             <a:endParaRPr lang="ru-RU"/>
           </a:p>
@@ -2629,7 +2631,7 @@
           <a:p>
             <a:fld id="{8AEF743B-45FA-4944-8FFC-680D000DE993}" type="datetimeFigureOut">
               <a:rPr lang="ru-RU" smtClean="0"/>
-              <a:t>01.04.2014</a:t>
+              <a:t>08.04.2014</a:t>
             </a:fld>
             <a:endParaRPr lang="ru-RU"/>
           </a:p>
@@ -2809,7 +2811,7 @@
           <a:p>
             <a:fld id="{8AEF743B-45FA-4944-8FFC-680D000DE993}" type="datetimeFigureOut">
               <a:rPr lang="ru-RU" smtClean="0"/>
-              <a:t>01.04.2014</a:t>
+              <a:t>08.04.2014</a:t>
             </a:fld>
             <a:endParaRPr lang="ru-RU"/>
           </a:p>
@@ -2985,7 +2987,7 @@
           <a:p>
             <a:fld id="{8AEF743B-45FA-4944-8FFC-680D000DE993}" type="datetimeFigureOut">
               <a:rPr lang="ru-RU" smtClean="0"/>
-              <a:t>01.04.2014</a:t>
+              <a:t>08.04.2014</a:t>
             </a:fld>
             <a:endParaRPr lang="ru-RU"/>
           </a:p>
@@ -3232,7 +3234,7 @@
           <a:p>
             <a:fld id="{8AEF743B-45FA-4944-8FFC-680D000DE993}" type="datetimeFigureOut">
               <a:rPr lang="ru-RU" smtClean="0"/>
-              <a:t>01.04.2014</a:t>
+              <a:t>08.04.2014</a:t>
             </a:fld>
             <a:endParaRPr lang="ru-RU"/>
           </a:p>
@@ -3464,7 +3466,7 @@
           <a:p>
             <a:fld id="{8AEF743B-45FA-4944-8FFC-680D000DE993}" type="datetimeFigureOut">
               <a:rPr lang="ru-RU" smtClean="0"/>
-              <a:t>01.04.2014</a:t>
+              <a:t>08.04.2014</a:t>
             </a:fld>
             <a:endParaRPr lang="ru-RU"/>
           </a:p>
@@ -3838,7 +3840,7 @@
           <a:p>
             <a:fld id="{8AEF743B-45FA-4944-8FFC-680D000DE993}" type="datetimeFigureOut">
               <a:rPr lang="ru-RU" smtClean="0"/>
-              <a:t>01.04.2014</a:t>
+              <a:t>08.04.2014</a:t>
             </a:fld>
             <a:endParaRPr lang="ru-RU"/>
           </a:p>
@@ -3961,7 +3963,7 @@
           <a:p>
             <a:fld id="{8AEF743B-45FA-4944-8FFC-680D000DE993}" type="datetimeFigureOut">
               <a:rPr lang="ru-RU" smtClean="0"/>
-              <a:t>01.04.2014</a:t>
+              <a:t>08.04.2014</a:t>
             </a:fld>
             <a:endParaRPr lang="ru-RU"/>
           </a:p>
@@ -4056,7 +4058,7 @@
           <a:p>
             <a:fld id="{8AEF743B-45FA-4944-8FFC-680D000DE993}" type="datetimeFigureOut">
               <a:rPr lang="ru-RU" smtClean="0"/>
-              <a:t>01.04.2014</a:t>
+              <a:t>08.04.2014</a:t>
             </a:fld>
             <a:endParaRPr lang="ru-RU"/>
           </a:p>
@@ -4311,7 +4313,7 @@
           <a:p>
             <a:fld id="{8AEF743B-45FA-4944-8FFC-680D000DE993}" type="datetimeFigureOut">
               <a:rPr lang="ru-RU" smtClean="0"/>
-              <a:t>01.04.2014</a:t>
+              <a:t>08.04.2014</a:t>
             </a:fld>
             <a:endParaRPr lang="ru-RU"/>
           </a:p>
@@ -4574,7 +4576,7 @@
           <a:p>
             <a:fld id="{8AEF743B-45FA-4944-8FFC-680D000DE993}" type="datetimeFigureOut">
               <a:rPr lang="ru-RU" smtClean="0"/>
-              <a:t>01.04.2014</a:t>
+              <a:t>08.04.2014</a:t>
             </a:fld>
             <a:endParaRPr lang="ru-RU"/>
           </a:p>
@@ -5317,7 +5319,7 @@
           <a:p>
             <a:fld id="{8AEF743B-45FA-4944-8FFC-680D000DE993}" type="datetimeFigureOut">
               <a:rPr lang="ru-RU" smtClean="0"/>
-              <a:t>01.04.2014</a:t>
+              <a:t>08.04.2014</a:t>
             </a:fld>
             <a:endParaRPr lang="ru-RU"/>
           </a:p>
@@ -6542,11 +6544,7 @@
             </a:r>
             <a:r>
               <a:rPr lang="ru-RU" dirty="0" smtClean="0"/>
-              <a:t>. Достаточно сформировать только отсортированную оставляемую часть, что позволит сократить количество необходимых вычислительных операций до 2-х </a:t>
-            </a:r>
-            <a:r>
-              <a:rPr lang="ru-RU" dirty="0" smtClean="0"/>
-              <a:t>раз, хотя в среднем сокращение количества вычислительных операций будет значительно </a:t>
+              <a:t>. Достаточно сформировать только отсортированную оставляемую часть, что позволит сократить количество необходимых вычислительных операций до 2-х раз, хотя в среднем сокращение количества вычислительных операций будет значительно </a:t>
             </a:r>
             <a:r>
               <a:rPr lang="ru-RU" smtClean="0"/>
@@ -6577,6 +6575,775 @@
       </p:par>
     </p:tnLst>
   </p:timing>
+</p:sld>
+</file>
+
+<file path=ppt/slides/slide14.xml><?xml version="1.0" encoding="utf-8"?>
+<p:sld xmlns:a="http://schemas.openxmlformats.org/drawingml/2006/main" xmlns:r="http://schemas.openxmlformats.org/officeDocument/2006/relationships" xmlns:p="http://schemas.openxmlformats.org/presentationml/2006/main">
+  <p:cSld>
+    <p:spTree>
+      <p:nvGrpSpPr>
+        <p:cNvPr id="1" name=""/>
+        <p:cNvGrpSpPr/>
+        <p:nvPr/>
+      </p:nvGrpSpPr>
+      <p:grpSpPr>
+        <a:xfrm>
+          <a:off x="0" y="0"/>
+          <a:ext cx="0" cy="0"/>
+          <a:chOff x="0" y="0"/>
+          <a:chExt cx="0" cy="0"/>
+        </a:xfrm>
+      </p:grpSpPr>
+      <p:sp>
+        <p:nvSpPr>
+          <p:cNvPr id="2" name="Заголовок 1"/>
+          <p:cNvSpPr>
+            <a:spLocks noGrp="1"/>
+          </p:cNvSpPr>
+          <p:nvPr>
+            <p:ph type="title"/>
+          </p:nvPr>
+        </p:nvSpPr>
+        <p:spPr/>
+        <p:txBody>
+          <a:bodyPr/>
+          <a:lstStyle/>
+          <a:p>
+            <a:r>
+              <a:rPr lang="ru-RU" dirty="0"/>
+              <a:t>Алгоритм </a:t>
+            </a:r>
+            <a:r>
+              <a:rPr lang="ru-RU" dirty="0" smtClean="0"/>
+              <a:t>чётно-нечётной сортировки </a:t>
+            </a:r>
+            <a:r>
+              <a:rPr lang="ru-RU" dirty="0"/>
+              <a:t>с использованием MPI</a:t>
+            </a:r>
+          </a:p>
+        </p:txBody>
+      </p:sp>
+      <p:sp>
+        <p:nvSpPr>
+          <p:cNvPr id="3" name="Объект 2"/>
+          <p:cNvSpPr>
+            <a:spLocks noGrp="1"/>
+          </p:cNvSpPr>
+          <p:nvPr>
+            <p:ph idx="1"/>
+          </p:nvPr>
+        </p:nvSpPr>
+        <p:spPr/>
+        <p:txBody>
+          <a:bodyPr>
+            <a:normAutofit fontScale="85000" lnSpcReduction="20000"/>
+          </a:bodyPr>
+          <a:lstStyle/>
+          <a:p>
+            <a:pPr algn="just">
+              <a:buFont typeface="+mj-lt"/>
+              <a:buAutoNum type="arabicPeriod"/>
+            </a:pPr>
+            <a:r>
+              <a:rPr lang="ru-RU" dirty="0"/>
+              <a:t>Хост-процесс формирует исходный </a:t>
+            </a:r>
+            <a:r>
+              <a:rPr lang="ru-RU" dirty="0" smtClean="0"/>
+              <a:t>массив</a:t>
+            </a:r>
+          </a:p>
+          <a:p>
+            <a:pPr algn="just">
+              <a:buFont typeface="+mj-lt"/>
+              <a:buAutoNum type="arabicPeriod"/>
+            </a:pPr>
+            <a:r>
+              <a:rPr lang="ru-RU" dirty="0"/>
+              <a:t>Хост-процесс </a:t>
+            </a:r>
+            <a:r>
+              <a:rPr lang="ru-RU" dirty="0" smtClean="0"/>
+              <a:t>равномерно распределяет элементы исходного массива между всеми </a:t>
+            </a:r>
+            <a:r>
+              <a:rPr lang="en-US" dirty="0" smtClean="0"/>
+              <a:t>P </a:t>
+            </a:r>
+            <a:r>
+              <a:rPr lang="ru-RU" dirty="0" smtClean="0"/>
+              <a:t>процессами, включая сам хост-процесс</a:t>
+            </a:r>
+          </a:p>
+          <a:p>
+            <a:pPr algn="just">
+              <a:buFont typeface="+mj-lt"/>
+              <a:buAutoNum type="arabicPeriod"/>
+            </a:pPr>
+            <a:r>
+              <a:rPr lang="ru-RU" dirty="0" smtClean="0"/>
+              <a:t>Все процессы сортируют полученные </a:t>
+            </a:r>
+            <a:r>
+              <a:rPr lang="ru-RU" dirty="0" err="1" smtClean="0"/>
+              <a:t>подмассивы</a:t>
+            </a:r>
+            <a:r>
+              <a:rPr lang="ru-RU" dirty="0" smtClean="0"/>
+              <a:t> процедурой </a:t>
+            </a:r>
+            <a:r>
+              <a:rPr lang="en-US" dirty="0" err="1" smtClean="0"/>
+              <a:t>qsort</a:t>
+            </a:r>
+            <a:endParaRPr lang="en-US" dirty="0" smtClean="0"/>
+          </a:p>
+          <a:p>
+            <a:pPr algn="just">
+              <a:buFont typeface="+mj-lt"/>
+              <a:buAutoNum type="arabicPeriod"/>
+            </a:pPr>
+            <a:r>
+              <a:rPr lang="ru-RU" dirty="0"/>
+              <a:t>Каждый процесс </a:t>
+            </a:r>
+            <a:r>
+              <a:rPr lang="en-US" dirty="0"/>
+              <a:t>p </a:t>
+            </a:r>
+            <a:r>
+              <a:rPr lang="ru-RU" dirty="0"/>
+              <a:t>задаёт в </a:t>
+            </a:r>
+            <a:r>
+              <a:rPr lang="ru-RU" dirty="0" smtClean="0"/>
+              <a:t>качестве</a:t>
+            </a:r>
+            <a:r>
+              <a:rPr lang="en-US" dirty="0" smtClean="0"/>
+              <a:t> </a:t>
+            </a:r>
+            <a:r>
+              <a:rPr lang="ru-RU" dirty="0" smtClean="0"/>
+              <a:t>соседа для чётного шага процесс </a:t>
+            </a:r>
+            <a:r>
+              <a:rPr lang="en-US" dirty="0" smtClean="0"/>
+              <a:t>p-n, </a:t>
+            </a:r>
+            <a:r>
+              <a:rPr lang="ru-RU" dirty="0"/>
+              <a:t>а в качестве </a:t>
+            </a:r>
+            <a:r>
+              <a:rPr lang="ru-RU" dirty="0" smtClean="0"/>
+              <a:t>соседа для нечётного шага процесс </a:t>
+            </a:r>
+            <a:r>
+              <a:rPr lang="en-US" dirty="0" err="1" smtClean="0"/>
+              <a:t>p+n</a:t>
+            </a:r>
+            <a:r>
+              <a:rPr lang="ru-RU" dirty="0" smtClean="0"/>
+              <a:t>, где </a:t>
+            </a:r>
+            <a:r>
+              <a:rPr lang="en-US" dirty="0" smtClean="0"/>
+              <a:t>n=(-1)</a:t>
+            </a:r>
+            <a:r>
+              <a:rPr lang="en-US" baseline="30000" dirty="0" smtClean="0"/>
+              <a:t>p</a:t>
+            </a:r>
+            <a:endParaRPr lang="ru-RU" baseline="30000" dirty="0"/>
+          </a:p>
+          <a:p>
+            <a:pPr algn="just">
+              <a:buFont typeface="+mj-lt"/>
+              <a:buAutoNum type="arabicPeriod"/>
+            </a:pPr>
+            <a:r>
+              <a:rPr lang="ru-RU" dirty="0" smtClean="0"/>
+              <a:t> Цикл для </a:t>
+            </a:r>
+            <a:r>
+              <a:rPr lang="en-US" dirty="0" err="1" smtClean="0"/>
+              <a:t>i</a:t>
+            </a:r>
+            <a:r>
+              <a:rPr lang="en-US" dirty="0" smtClean="0"/>
+              <a:t> </a:t>
+            </a:r>
+            <a:r>
+              <a:rPr lang="ru-RU" dirty="0" smtClean="0"/>
+              <a:t>от 0 до </a:t>
+            </a:r>
+            <a:r>
+              <a:rPr lang="en-US" dirty="0" smtClean="0"/>
+              <a:t>P-1</a:t>
+            </a:r>
+            <a:endParaRPr lang="ru-RU" dirty="0" smtClean="0"/>
+          </a:p>
+          <a:p>
+            <a:pPr lvl="1" algn="just">
+              <a:buFont typeface="+mj-lt"/>
+              <a:buAutoNum type="arabicPeriod"/>
+            </a:pPr>
+            <a:r>
+              <a:rPr lang="ru-RU" dirty="0" smtClean="0"/>
+              <a:t>Каждый процесс </a:t>
+            </a:r>
+            <a:r>
+              <a:rPr lang="en-US" dirty="0" smtClean="0"/>
+              <a:t>t </a:t>
+            </a:r>
+            <a:r>
+              <a:rPr lang="ru-RU" dirty="0" smtClean="0"/>
+              <a:t> обменивается </a:t>
+            </a:r>
+            <a:r>
+              <a:rPr lang="ru-RU" dirty="0" err="1" smtClean="0"/>
+              <a:t>подмассивом</a:t>
+            </a:r>
+            <a:r>
+              <a:rPr lang="ru-RU" dirty="0" smtClean="0"/>
+              <a:t> с соседом, определяемым чётностью </a:t>
+            </a:r>
+            <a:r>
+              <a:rPr lang="en-US" dirty="0" smtClean="0"/>
+              <a:t>I</a:t>
+            </a:r>
+          </a:p>
+          <a:p>
+            <a:pPr lvl="1" algn="just">
+              <a:buFont typeface="+mj-lt"/>
+              <a:buAutoNum type="arabicPeriod"/>
+            </a:pPr>
+            <a:r>
+              <a:rPr lang="ru-RU" dirty="0" smtClean="0"/>
+              <a:t>Каждый процесс </a:t>
+            </a:r>
+            <a:r>
+              <a:rPr lang="en-US" dirty="0" smtClean="0"/>
+              <a:t>t </a:t>
+            </a:r>
+            <a:r>
+              <a:rPr lang="ru-RU" dirty="0"/>
+              <a:t>применяет процедуру слияния отсортированных </a:t>
+            </a:r>
+            <a:r>
+              <a:rPr lang="ru-RU" dirty="0" err="1" smtClean="0"/>
+              <a:t>подмассивов</a:t>
+            </a:r>
+            <a:endParaRPr lang="ru-RU" dirty="0" smtClean="0"/>
+          </a:p>
+          <a:p>
+            <a:pPr lvl="1" algn="just">
+              <a:buFont typeface="+mj-lt"/>
+              <a:buAutoNum type="arabicPeriod"/>
+            </a:pPr>
+            <a:r>
+              <a:rPr lang="ru-RU" dirty="0"/>
+              <a:t>Каждый процесс </a:t>
+            </a:r>
+            <a:r>
+              <a:rPr lang="en-US" dirty="0"/>
+              <a:t>t </a:t>
+            </a:r>
+            <a:r>
+              <a:rPr lang="ru-RU" dirty="0" smtClean="0"/>
+              <a:t>оставляет у себя левую или правую половину отсортированного массива, в зависимости, с соседом слева или справа был произведён обмен </a:t>
+            </a:r>
+            <a:r>
+              <a:rPr lang="ru-RU" dirty="0" err="1" smtClean="0"/>
+              <a:t>подмассивами</a:t>
+            </a:r>
+            <a:endParaRPr lang="en-US" dirty="0" smtClean="0"/>
+          </a:p>
+          <a:p>
+            <a:pPr algn="just">
+              <a:buFont typeface="+mj-lt"/>
+              <a:buAutoNum type="arabicPeriod"/>
+            </a:pPr>
+            <a:r>
+              <a:rPr lang="ru-RU" dirty="0" smtClean="0"/>
+              <a:t>Кон</a:t>
+            </a:r>
+            <a:r>
+              <a:rPr lang="ru-RU" dirty="0"/>
+              <a:t>е</a:t>
+            </a:r>
+            <a:r>
+              <a:rPr lang="ru-RU" dirty="0" smtClean="0"/>
+              <a:t>ц цикла для </a:t>
+            </a:r>
+            <a:r>
+              <a:rPr lang="en-US" dirty="0" smtClean="0"/>
+              <a:t>i</a:t>
+            </a:r>
+            <a:endParaRPr lang="ru-RU" dirty="0" smtClean="0"/>
+          </a:p>
+          <a:p>
+            <a:pPr algn="just">
+              <a:buFont typeface="+mj-lt"/>
+              <a:buAutoNum type="arabicPeriod"/>
+            </a:pPr>
+            <a:r>
+              <a:rPr lang="ru-RU" dirty="0"/>
+              <a:t>Хост-процесс </a:t>
+            </a:r>
+            <a:r>
+              <a:rPr lang="ru-RU" dirty="0" smtClean="0"/>
+              <a:t>последовательно опрашивает процессы и присоединяет полученные </a:t>
+            </a:r>
+            <a:r>
+              <a:rPr lang="ru-RU" dirty="0" err="1" smtClean="0"/>
+              <a:t>подмассивы</a:t>
+            </a:r>
+            <a:r>
+              <a:rPr lang="ru-RU" dirty="0" smtClean="0"/>
+              <a:t> к результирующему массиву</a:t>
+            </a:r>
+            <a:endParaRPr lang="ru-RU" dirty="0"/>
+          </a:p>
+          <a:p>
+            <a:pPr algn="just">
+              <a:buFont typeface="+mj-lt"/>
+              <a:buAutoNum type="arabicPeriod"/>
+            </a:pPr>
+            <a:endParaRPr lang="ru-RU" dirty="0"/>
+          </a:p>
+        </p:txBody>
+      </p:sp>
+    </p:spTree>
+    <p:extLst>
+      <p:ext uri="{BB962C8B-B14F-4D97-AF65-F5344CB8AC3E}">
+        <p14:creationId xmlns:p14="http://schemas.microsoft.com/office/powerpoint/2010/main" val="2723197109"/>
+      </p:ext>
+    </p:extLst>
+  </p:cSld>
+  <p:clrMapOvr>
+    <a:masterClrMapping/>
+  </p:clrMapOvr>
+</p:sld>
+</file>
+
+<file path=ppt/slides/slide15.xml><?xml version="1.0" encoding="utf-8"?>
+<p:sld xmlns:a="http://schemas.openxmlformats.org/drawingml/2006/main" xmlns:r="http://schemas.openxmlformats.org/officeDocument/2006/relationships" xmlns:p="http://schemas.openxmlformats.org/presentationml/2006/main">
+  <p:cSld>
+    <p:spTree>
+      <p:nvGrpSpPr>
+        <p:cNvPr id="1" name=""/>
+        <p:cNvGrpSpPr/>
+        <p:nvPr/>
+      </p:nvGrpSpPr>
+      <p:grpSpPr>
+        <a:xfrm>
+          <a:off x="0" y="0"/>
+          <a:ext cx="0" cy="0"/>
+          <a:chOff x="0" y="0"/>
+          <a:chExt cx="0" cy="0"/>
+        </a:xfrm>
+      </p:grpSpPr>
+      <p:sp>
+        <p:nvSpPr>
+          <p:cNvPr id="2" name="Заголовок 1"/>
+          <p:cNvSpPr>
+            <a:spLocks noGrp="1"/>
+          </p:cNvSpPr>
+          <p:nvPr>
+            <p:ph type="title"/>
+          </p:nvPr>
+        </p:nvSpPr>
+        <p:spPr/>
+        <p:txBody>
+          <a:bodyPr/>
+          <a:lstStyle/>
+          <a:p>
+            <a:r>
+              <a:rPr lang="ru-RU" dirty="0"/>
+              <a:t>Алгоритм чётно-нечётной </a:t>
+            </a:r>
+            <a:r>
+              <a:rPr lang="ru-RU" dirty="0" smtClean="0"/>
+              <a:t>сортировки </a:t>
+            </a:r>
+            <a:r>
+              <a:rPr lang="ru-RU" dirty="0"/>
+              <a:t>с использованием </a:t>
+            </a:r>
+            <a:r>
+              <a:rPr lang="en-US" dirty="0" smtClean="0"/>
+              <a:t>CUDA</a:t>
+            </a:r>
+            <a:endParaRPr lang="ru-RU" dirty="0"/>
+          </a:p>
+        </p:txBody>
+      </p:sp>
+      <p:sp>
+        <p:nvSpPr>
+          <p:cNvPr id="3" name="Объект 2"/>
+          <p:cNvSpPr>
+            <a:spLocks noGrp="1"/>
+          </p:cNvSpPr>
+          <p:nvPr>
+            <p:ph idx="1"/>
+          </p:nvPr>
+        </p:nvSpPr>
+        <p:spPr/>
+        <p:txBody>
+          <a:bodyPr>
+            <a:normAutofit lnSpcReduction="10000"/>
+          </a:bodyPr>
+          <a:lstStyle/>
+          <a:p>
+            <a:pPr algn="just">
+              <a:buFont typeface="+mj-lt"/>
+              <a:buAutoNum type="arabicPeriod"/>
+            </a:pPr>
+            <a:r>
+              <a:rPr lang="ru-RU" dirty="0"/>
+              <a:t>Исходный массив размера N загружается в память GPU</a:t>
+            </a:r>
+          </a:p>
+          <a:p>
+            <a:pPr algn="just">
+              <a:buFont typeface="+mj-lt"/>
+              <a:buAutoNum type="arabicPeriod"/>
+            </a:pPr>
+            <a:r>
+              <a:rPr lang="ru-RU" dirty="0" smtClean="0"/>
+              <a:t>В памяти </a:t>
+            </a:r>
+            <a:r>
+              <a:rPr lang="en-US" dirty="0" smtClean="0"/>
+              <a:t>GPU </a:t>
+            </a:r>
+            <a:r>
+              <a:rPr lang="ru-RU" dirty="0" smtClean="0"/>
+              <a:t>создаётся массив </a:t>
+            </a:r>
+            <a:r>
+              <a:rPr lang="en-US" dirty="0" smtClean="0"/>
+              <a:t>INDEX</a:t>
+            </a:r>
+            <a:r>
+              <a:rPr lang="ru-RU" dirty="0" smtClean="0"/>
+              <a:t> из </a:t>
+            </a:r>
+            <a:r>
+              <a:rPr lang="en-US" dirty="0" smtClean="0"/>
+              <a:t>2*K</a:t>
+            </a:r>
+            <a:r>
+              <a:rPr lang="ru-RU" dirty="0" smtClean="0"/>
+              <a:t>+1 индексов элементов исходного массива, где</a:t>
+            </a:r>
+            <a:r>
+              <a:rPr lang="en-US" dirty="0" smtClean="0"/>
+              <a:t> INDEX[0]=0 </a:t>
+            </a:r>
+            <a:r>
+              <a:rPr lang="ru-RU" dirty="0" smtClean="0"/>
+              <a:t>и </a:t>
+            </a:r>
+            <a:r>
+              <a:rPr lang="en-US" dirty="0" smtClean="0"/>
+              <a:t>INDEX[2*K]=N, </a:t>
+            </a:r>
+            <a:r>
+              <a:rPr lang="ru-RU" dirty="0" smtClean="0"/>
+              <a:t>а остальные элементы равномерно распределены по возрастанию между 0 и </a:t>
+            </a:r>
+            <a:r>
+              <a:rPr lang="en-US" dirty="0" smtClean="0"/>
+              <a:t>N</a:t>
+            </a:r>
+          </a:p>
+          <a:p>
+            <a:pPr algn="just">
+              <a:buFont typeface="+mj-lt"/>
+              <a:buAutoNum type="arabicPeriod"/>
+            </a:pPr>
+            <a:r>
+              <a:rPr lang="ru-RU" dirty="0" smtClean="0"/>
+              <a:t>На </a:t>
+            </a:r>
+            <a:r>
+              <a:rPr lang="en-US" dirty="0" smtClean="0"/>
+              <a:t>GPU </a:t>
+            </a:r>
+            <a:r>
+              <a:rPr lang="ru-RU" dirty="0" smtClean="0"/>
+              <a:t>запускается </a:t>
+            </a:r>
+            <a:r>
+              <a:rPr lang="ru-RU" dirty="0"/>
+              <a:t>2*</a:t>
+            </a:r>
+            <a:r>
+              <a:rPr lang="en-US" dirty="0" smtClean="0"/>
+              <a:t>K</a:t>
+            </a:r>
+            <a:r>
+              <a:rPr lang="ru-RU" dirty="0" smtClean="0"/>
+              <a:t> параллельных процесса,</a:t>
+            </a:r>
+            <a:r>
+              <a:rPr lang="en-US" dirty="0" smtClean="0"/>
+              <a:t> </a:t>
+            </a:r>
+            <a:r>
+              <a:rPr lang="ru-RU" dirty="0" smtClean="0"/>
+              <a:t>каждый из которых сортирует один </a:t>
+            </a:r>
+            <a:r>
+              <a:rPr lang="ru-RU" dirty="0" err="1" smtClean="0"/>
+              <a:t>подмассив</a:t>
+            </a:r>
+            <a:r>
+              <a:rPr lang="ru-RU" dirty="0" smtClean="0"/>
+              <a:t> между индексами </a:t>
+            </a:r>
+            <a:r>
+              <a:rPr lang="en-US" dirty="0" smtClean="0"/>
+              <a:t>INDEX[t]-INDEX[t+1] </a:t>
+            </a:r>
+            <a:r>
+              <a:rPr lang="ru-RU" dirty="0" smtClean="0"/>
+              <a:t>методом пузырьковой сортировки</a:t>
+            </a:r>
+            <a:endParaRPr lang="en-US" dirty="0" smtClean="0"/>
+          </a:p>
+          <a:p>
+            <a:pPr algn="just">
+              <a:buFont typeface="+mj-lt"/>
+              <a:buAutoNum type="arabicPeriod"/>
+            </a:pPr>
+            <a:r>
+              <a:rPr lang="ru-RU" dirty="0" smtClean="0"/>
+              <a:t>Цикл для </a:t>
+            </a:r>
+            <a:r>
+              <a:rPr lang="en-US" dirty="0" err="1" smtClean="0"/>
+              <a:t>i</a:t>
+            </a:r>
+            <a:r>
+              <a:rPr lang="en-US" dirty="0" smtClean="0"/>
+              <a:t> </a:t>
+            </a:r>
+            <a:r>
+              <a:rPr lang="ru-RU" dirty="0" smtClean="0"/>
+              <a:t>от 0 до </a:t>
+            </a:r>
+            <a:r>
+              <a:rPr lang="en-US" dirty="0" smtClean="0"/>
+              <a:t>2*K-1</a:t>
+            </a:r>
+          </a:p>
+          <a:p>
+            <a:pPr lvl="1" algn="just">
+              <a:buFont typeface="+mj-lt"/>
+              <a:buAutoNum type="arabicPeriod"/>
+            </a:pPr>
+            <a:r>
+              <a:rPr lang="ru-RU" dirty="0"/>
+              <a:t>На </a:t>
+            </a:r>
+            <a:r>
+              <a:rPr lang="en-US" dirty="0"/>
+              <a:t>GPU </a:t>
+            </a:r>
+            <a:r>
+              <a:rPr lang="ru-RU" dirty="0"/>
+              <a:t>запускается </a:t>
+            </a:r>
+            <a:r>
+              <a:rPr lang="en-US" dirty="0" smtClean="0"/>
+              <a:t>K</a:t>
+            </a:r>
+            <a:r>
+              <a:rPr lang="ru-RU" dirty="0" smtClean="0"/>
+              <a:t> </a:t>
+            </a:r>
+            <a:r>
+              <a:rPr lang="ru-RU" dirty="0"/>
+              <a:t>параллельных </a:t>
+            </a:r>
+            <a:r>
+              <a:rPr lang="ru-RU" dirty="0" smtClean="0"/>
+              <a:t>процесса</a:t>
+            </a:r>
+            <a:r>
+              <a:rPr lang="en-US" dirty="0" smtClean="0"/>
+              <a:t>, </a:t>
+            </a:r>
+            <a:r>
+              <a:rPr lang="ru-RU" dirty="0" smtClean="0"/>
+              <a:t>каждый из который применяет процедуру слияния отсортированных массивов к массиву между индексами </a:t>
+            </a:r>
+            <a:r>
+              <a:rPr lang="en-US" dirty="0" smtClean="0"/>
+              <a:t>INDEX[</a:t>
+            </a:r>
+            <a:r>
+              <a:rPr lang="ru-RU" dirty="0" smtClean="0"/>
+              <a:t>2*</a:t>
+            </a:r>
+            <a:r>
+              <a:rPr lang="en-US" dirty="0" smtClean="0"/>
+              <a:t>t</a:t>
+            </a:r>
+            <a:r>
+              <a:rPr lang="ru-RU" dirty="0" smtClean="0"/>
+              <a:t>+</a:t>
+            </a:r>
+            <a:r>
+              <a:rPr lang="en-US" dirty="0" smtClean="0"/>
+              <a:t>p]-INDEX[</a:t>
+            </a:r>
+            <a:r>
+              <a:rPr lang="ru-RU" dirty="0" smtClean="0"/>
+              <a:t>2*</a:t>
+            </a:r>
+            <a:r>
+              <a:rPr lang="en-US" dirty="0" smtClean="0"/>
+              <a:t>t</a:t>
+            </a:r>
+            <a:r>
+              <a:rPr lang="ru-RU" dirty="0" smtClean="0"/>
+              <a:t>+</a:t>
+            </a:r>
+            <a:r>
+              <a:rPr lang="en-US" dirty="0" smtClean="0"/>
+              <a:t>1+p </a:t>
+            </a:r>
+            <a:r>
+              <a:rPr lang="en-US" dirty="0"/>
+              <a:t>mod 2*K</a:t>
+            </a:r>
+            <a:r>
+              <a:rPr lang="en-US" dirty="0" smtClean="0"/>
+              <a:t>]</a:t>
+            </a:r>
+            <a:r>
+              <a:rPr lang="ru-RU" dirty="0" smtClean="0"/>
+              <a:t> </a:t>
+            </a:r>
+            <a:r>
+              <a:rPr lang="en-US" dirty="0" smtClean="0"/>
+              <a:t> </a:t>
+            </a:r>
+            <a:r>
+              <a:rPr lang="ru-RU" dirty="0" smtClean="0"/>
+              <a:t>и </a:t>
+            </a:r>
+            <a:r>
+              <a:rPr lang="ru-RU" dirty="0"/>
+              <a:t>к массиву между индексами </a:t>
+            </a:r>
+            <a:r>
+              <a:rPr lang="en-US" dirty="0"/>
+              <a:t>INDEX[</a:t>
+            </a:r>
+            <a:r>
+              <a:rPr lang="ru-RU" dirty="0"/>
+              <a:t>2*</a:t>
+            </a:r>
+            <a:r>
+              <a:rPr lang="en-US" dirty="0" smtClean="0"/>
+              <a:t>t</a:t>
+            </a:r>
+            <a:r>
+              <a:rPr lang="ru-RU" dirty="0" smtClean="0"/>
+              <a:t>+1+</a:t>
+            </a:r>
+            <a:r>
+              <a:rPr lang="en-US" dirty="0" smtClean="0"/>
+              <a:t>p </a:t>
+            </a:r>
+            <a:r>
+              <a:rPr lang="en-US" dirty="0"/>
+              <a:t>mod 2*K</a:t>
+            </a:r>
+            <a:r>
+              <a:rPr lang="en-US" dirty="0" smtClean="0"/>
+              <a:t>]-</a:t>
+            </a:r>
+            <a:r>
+              <a:rPr lang="en-US" dirty="0"/>
+              <a:t>INDEX[</a:t>
+            </a:r>
+            <a:r>
+              <a:rPr lang="ru-RU" dirty="0"/>
+              <a:t>2*</a:t>
+            </a:r>
+            <a:r>
+              <a:rPr lang="en-US" dirty="0" smtClean="0"/>
+              <a:t>t+</a:t>
+            </a:r>
+            <a:r>
+              <a:rPr lang="ru-RU" dirty="0" smtClean="0"/>
+              <a:t>2+</a:t>
+            </a:r>
+            <a:r>
+              <a:rPr lang="en-US" dirty="0" smtClean="0"/>
+              <a:t>p</a:t>
+            </a:r>
+            <a:r>
+              <a:rPr lang="ru-RU" dirty="0" smtClean="0"/>
+              <a:t> </a:t>
+            </a:r>
+            <a:r>
+              <a:rPr lang="en-US" dirty="0" smtClean="0"/>
+              <a:t>mod 2*K]</a:t>
+            </a:r>
+            <a:r>
+              <a:rPr lang="ru-RU" dirty="0" smtClean="0"/>
+              <a:t> </a:t>
+            </a:r>
+            <a:endParaRPr lang="en-US" dirty="0" smtClean="0"/>
+          </a:p>
+          <a:p>
+            <a:pPr algn="just">
+              <a:buFont typeface="+mj-lt"/>
+              <a:buAutoNum type="arabicPeriod"/>
+            </a:pPr>
+            <a:r>
+              <a:rPr lang="ru-RU" dirty="0" smtClean="0"/>
+              <a:t>Конец цикла для </a:t>
+            </a:r>
+            <a:r>
+              <a:rPr lang="en-US" dirty="0" err="1" smtClean="0"/>
+              <a:t>i</a:t>
+            </a:r>
+            <a:endParaRPr lang="ru-RU" dirty="0" smtClean="0"/>
+          </a:p>
+          <a:p>
+            <a:pPr algn="just">
+              <a:buFont typeface="+mj-lt"/>
+              <a:buAutoNum type="arabicPeriod"/>
+            </a:pPr>
+            <a:endParaRPr lang="ru-RU" dirty="0"/>
+          </a:p>
+          <a:p>
+            <a:pPr algn="just"/>
+            <a:endParaRPr lang="ru-RU" dirty="0"/>
+          </a:p>
+        </p:txBody>
+      </p:sp>
+    </p:spTree>
+    <p:extLst>
+      <p:ext uri="{BB962C8B-B14F-4D97-AF65-F5344CB8AC3E}">
+        <p14:creationId xmlns:p14="http://schemas.microsoft.com/office/powerpoint/2010/main" val="1039923623"/>
+      </p:ext>
+    </p:extLst>
+  </p:cSld>
+  <p:clrMapOvr>
+    <a:masterClrMapping/>
+  </p:clrMapOvr>
 </p:sld>
 </file>
 

--- a/Чётно-нечётная сортировка.pptx
+++ b/Чётно-нечётная сортировка.pptx
@@ -1,9 +1,12 @@
 
 <file path=ppt/presentation.xml><?xml version="1.0" encoding="utf-8"?>
-<p:presentation xmlns:a="http://schemas.openxmlformats.org/drawingml/2006/main" xmlns:r="http://schemas.openxmlformats.org/officeDocument/2006/relationships" xmlns:p="http://schemas.openxmlformats.org/presentationml/2006/main" saveSubsetFonts="1">
+<p:presentation xmlns:a="http://schemas.openxmlformats.org/drawingml/2006/main" xmlns:r="http://schemas.openxmlformats.org/officeDocument/2006/relationships" xmlns:p="http://schemas.openxmlformats.org/presentationml/2006/main" showSpecialPlsOnTitleSld="0" saveSubsetFonts="1">
   <p:sldMasterIdLst>
     <p:sldMasterId id="2147483660" r:id="rId1"/>
   </p:sldMasterIdLst>
+  <p:notesMasterIdLst>
+    <p:notesMasterId r:id="rId18"/>
+  </p:notesMasterIdLst>
   <p:sldIdLst>
     <p:sldId id="256" r:id="rId2"/>
     <p:sldId id="257" r:id="rId3"/>
@@ -20,6 +23,7 @@
     <p:sldId id="266" r:id="rId14"/>
     <p:sldId id="269" r:id="rId15"/>
     <p:sldId id="270" r:id="rId16"/>
+    <p:sldId id="271" r:id="rId17"/>
   </p:sldIdLst>
   <p:sldSz cx="12192000" cy="6858000"/>
   <p:notesSz cx="6858000" cy="9144000"/>
@@ -124,6 +128,440 @@
     </p:ext>
   </p:extLst>
 </p:presentation>
+</file>
+
+<file path=ppt/notesMasters/notesMaster1.xml><?xml version="1.0" encoding="utf-8"?>
+<p:notesMaster xmlns:a="http://schemas.openxmlformats.org/drawingml/2006/main" xmlns:r="http://schemas.openxmlformats.org/officeDocument/2006/relationships" xmlns:p="http://schemas.openxmlformats.org/presentationml/2006/main">
+  <p:cSld>
+    <p:bg>
+      <p:bgRef idx="1001">
+        <a:schemeClr val="bg1"/>
+      </p:bgRef>
+    </p:bg>
+    <p:spTree>
+      <p:nvGrpSpPr>
+        <p:cNvPr id="1" name=""/>
+        <p:cNvGrpSpPr/>
+        <p:nvPr/>
+      </p:nvGrpSpPr>
+      <p:grpSpPr>
+        <a:xfrm>
+          <a:off x="0" y="0"/>
+          <a:ext cx="0" cy="0"/>
+          <a:chOff x="0" y="0"/>
+          <a:chExt cx="0" cy="0"/>
+        </a:xfrm>
+      </p:grpSpPr>
+      <p:sp>
+        <p:nvSpPr>
+          <p:cNvPr id="2" name="Верхний колонтитул 1"/>
+          <p:cNvSpPr>
+            <a:spLocks noGrp="1"/>
+          </p:cNvSpPr>
+          <p:nvPr>
+            <p:ph type="hdr" sz="quarter"/>
+          </p:nvPr>
+        </p:nvSpPr>
+        <p:spPr>
+          <a:xfrm>
+            <a:off x="0" y="0"/>
+            <a:ext cx="2971800" cy="458788"/>
+          </a:xfrm>
+          <a:prstGeom prst="rect">
+            <a:avLst/>
+          </a:prstGeom>
+        </p:spPr>
+        <p:txBody>
+          <a:bodyPr vert="horz" lIns="91440" tIns="45720" rIns="91440" bIns="45720" rtlCol="0"/>
+          <a:lstStyle>
+            <a:lvl1pPr algn="l">
+              <a:defRPr sz="1200"/>
+            </a:lvl1pPr>
+          </a:lstStyle>
+          <a:p>
+            <a:endParaRPr lang="ru-RU"/>
+          </a:p>
+        </p:txBody>
+      </p:sp>
+      <p:sp>
+        <p:nvSpPr>
+          <p:cNvPr id="3" name="Дата 2"/>
+          <p:cNvSpPr>
+            <a:spLocks noGrp="1"/>
+          </p:cNvSpPr>
+          <p:nvPr>
+            <p:ph type="dt" idx="1"/>
+          </p:nvPr>
+        </p:nvSpPr>
+        <p:spPr>
+          <a:xfrm>
+            <a:off x="3884613" y="0"/>
+            <a:ext cx="2971800" cy="458788"/>
+          </a:xfrm>
+          <a:prstGeom prst="rect">
+            <a:avLst/>
+          </a:prstGeom>
+        </p:spPr>
+        <p:txBody>
+          <a:bodyPr vert="horz" lIns="91440" tIns="45720" rIns="91440" bIns="45720" rtlCol="0"/>
+          <a:lstStyle>
+            <a:lvl1pPr algn="r">
+              <a:defRPr sz="1200"/>
+            </a:lvl1pPr>
+          </a:lstStyle>
+          <a:p>
+            <a:fld id="{4E9EBB90-5F2A-44B4-9C75-31656711EBA1}" type="datetimeFigureOut">
+              <a:rPr lang="ru-RU" smtClean="0"/>
+              <a:t>29.08.2015</a:t>
+            </a:fld>
+            <a:endParaRPr lang="ru-RU"/>
+          </a:p>
+        </p:txBody>
+      </p:sp>
+      <p:sp>
+        <p:nvSpPr>
+          <p:cNvPr id="4" name="Образ слайда 3"/>
+          <p:cNvSpPr>
+            <a:spLocks noGrp="1" noRot="1" noChangeAspect="1"/>
+          </p:cNvSpPr>
+          <p:nvPr>
+            <p:ph type="sldImg" idx="2"/>
+          </p:nvPr>
+        </p:nvSpPr>
+        <p:spPr>
+          <a:xfrm>
+            <a:off x="685800" y="1143000"/>
+            <a:ext cx="5486400" cy="3086100"/>
+          </a:xfrm>
+          <a:prstGeom prst="rect">
+            <a:avLst/>
+          </a:prstGeom>
+          <a:noFill/>
+          <a:ln w="12700">
+            <a:solidFill>
+              <a:prstClr val="black"/>
+            </a:solidFill>
+          </a:ln>
+        </p:spPr>
+        <p:txBody>
+          <a:bodyPr vert="horz" lIns="91440" tIns="45720" rIns="91440" bIns="45720" rtlCol="0" anchor="ctr"/>
+          <a:lstStyle/>
+          <a:p>
+            <a:endParaRPr lang="ru-RU"/>
+          </a:p>
+        </p:txBody>
+      </p:sp>
+      <p:sp>
+        <p:nvSpPr>
+          <p:cNvPr id="5" name="Заметки 4"/>
+          <p:cNvSpPr>
+            <a:spLocks noGrp="1"/>
+          </p:cNvSpPr>
+          <p:nvPr>
+            <p:ph type="body" sz="quarter" idx="3"/>
+          </p:nvPr>
+        </p:nvSpPr>
+        <p:spPr>
+          <a:xfrm>
+            <a:off x="685800" y="4400550"/>
+            <a:ext cx="5486400" cy="3600450"/>
+          </a:xfrm>
+          <a:prstGeom prst="rect">
+            <a:avLst/>
+          </a:prstGeom>
+        </p:spPr>
+        <p:txBody>
+          <a:bodyPr vert="horz" lIns="91440" tIns="45720" rIns="91440" bIns="45720" rtlCol="0"/>
+          <a:lstStyle/>
+          <a:p>
+            <a:pPr lvl="0"/>
+            <a:r>
+              <a:rPr lang="ru-RU" smtClean="0"/>
+              <a:t>Образец текста</a:t>
+            </a:r>
+          </a:p>
+          <a:p>
+            <a:pPr lvl="1"/>
+            <a:r>
+              <a:rPr lang="ru-RU" smtClean="0"/>
+              <a:t>Второй уровень</a:t>
+            </a:r>
+          </a:p>
+          <a:p>
+            <a:pPr lvl="2"/>
+            <a:r>
+              <a:rPr lang="ru-RU" smtClean="0"/>
+              <a:t>Третий уровень</a:t>
+            </a:r>
+          </a:p>
+          <a:p>
+            <a:pPr lvl="3"/>
+            <a:r>
+              <a:rPr lang="ru-RU" smtClean="0"/>
+              <a:t>Четвертый уровень</a:t>
+            </a:r>
+          </a:p>
+          <a:p>
+            <a:pPr lvl="4"/>
+            <a:r>
+              <a:rPr lang="ru-RU" smtClean="0"/>
+              <a:t>Пятый уровень</a:t>
+            </a:r>
+            <a:endParaRPr lang="ru-RU"/>
+          </a:p>
+        </p:txBody>
+      </p:sp>
+      <p:sp>
+        <p:nvSpPr>
+          <p:cNvPr id="6" name="Нижний колонтитул 5"/>
+          <p:cNvSpPr>
+            <a:spLocks noGrp="1"/>
+          </p:cNvSpPr>
+          <p:nvPr>
+            <p:ph type="ftr" sz="quarter" idx="4"/>
+          </p:nvPr>
+        </p:nvSpPr>
+        <p:spPr>
+          <a:xfrm>
+            <a:off x="0" y="8685213"/>
+            <a:ext cx="2971800" cy="458787"/>
+          </a:xfrm>
+          <a:prstGeom prst="rect">
+            <a:avLst/>
+          </a:prstGeom>
+        </p:spPr>
+        <p:txBody>
+          <a:bodyPr vert="horz" lIns="91440" tIns="45720" rIns="91440" bIns="45720" rtlCol="0" anchor="b"/>
+          <a:lstStyle>
+            <a:lvl1pPr algn="l">
+              <a:defRPr sz="1200"/>
+            </a:lvl1pPr>
+          </a:lstStyle>
+          <a:p>
+            <a:endParaRPr lang="ru-RU"/>
+          </a:p>
+        </p:txBody>
+      </p:sp>
+      <p:sp>
+        <p:nvSpPr>
+          <p:cNvPr id="7" name="Номер слайда 6"/>
+          <p:cNvSpPr>
+            <a:spLocks noGrp="1"/>
+          </p:cNvSpPr>
+          <p:nvPr>
+            <p:ph type="sldNum" sz="quarter" idx="5"/>
+          </p:nvPr>
+        </p:nvSpPr>
+        <p:spPr>
+          <a:xfrm>
+            <a:off x="3884613" y="8685213"/>
+            <a:ext cx="2971800" cy="458787"/>
+          </a:xfrm>
+          <a:prstGeom prst="rect">
+            <a:avLst/>
+          </a:prstGeom>
+        </p:spPr>
+        <p:txBody>
+          <a:bodyPr vert="horz" lIns="91440" tIns="45720" rIns="91440" bIns="45720" rtlCol="0" anchor="b"/>
+          <a:lstStyle>
+            <a:lvl1pPr algn="r">
+              <a:defRPr sz="1200"/>
+            </a:lvl1pPr>
+          </a:lstStyle>
+          <a:p>
+            <a:fld id="{AAC96CED-5AC3-4DD4-A7A9-EDCF1DC1EDB4}" type="slidenum">
+              <a:rPr lang="ru-RU" smtClean="0"/>
+              <a:t>‹#›</a:t>
+            </a:fld>
+            <a:endParaRPr lang="ru-RU"/>
+          </a:p>
+        </p:txBody>
+      </p:sp>
+    </p:spTree>
+    <p:extLst>
+      <p:ext uri="{BB962C8B-B14F-4D97-AF65-F5344CB8AC3E}">
+        <p14:creationId xmlns:p14="http://schemas.microsoft.com/office/powerpoint/2010/main" val="2233309979"/>
+      </p:ext>
+    </p:extLst>
+  </p:cSld>
+  <p:clrMap bg1="lt1" tx1="dk1" bg2="lt2" tx2="dk2" accent1="accent1" accent2="accent2" accent3="accent3" accent4="accent4" accent5="accent5" accent6="accent6" hlink="hlink" folHlink="folHlink"/>
+  <p:notesStyle>
+    <a:lvl1pPr marL="0" algn="l" defTabSz="914400" rtl="0" eaLnBrk="1" latinLnBrk="0" hangingPunct="1">
+      <a:defRPr sz="1200" kern="1200">
+        <a:solidFill>
+          <a:schemeClr val="tx1"/>
+        </a:solidFill>
+        <a:latin typeface="+mn-lt"/>
+        <a:ea typeface="+mn-ea"/>
+        <a:cs typeface="+mn-cs"/>
+      </a:defRPr>
+    </a:lvl1pPr>
+    <a:lvl2pPr marL="457200" algn="l" defTabSz="914400" rtl="0" eaLnBrk="1" latinLnBrk="0" hangingPunct="1">
+      <a:defRPr sz="1200" kern="1200">
+        <a:solidFill>
+          <a:schemeClr val="tx1"/>
+        </a:solidFill>
+        <a:latin typeface="+mn-lt"/>
+        <a:ea typeface="+mn-ea"/>
+        <a:cs typeface="+mn-cs"/>
+      </a:defRPr>
+    </a:lvl2pPr>
+    <a:lvl3pPr marL="914400" algn="l" defTabSz="914400" rtl="0" eaLnBrk="1" latinLnBrk="0" hangingPunct="1">
+      <a:defRPr sz="1200" kern="1200">
+        <a:solidFill>
+          <a:schemeClr val="tx1"/>
+        </a:solidFill>
+        <a:latin typeface="+mn-lt"/>
+        <a:ea typeface="+mn-ea"/>
+        <a:cs typeface="+mn-cs"/>
+      </a:defRPr>
+    </a:lvl3pPr>
+    <a:lvl4pPr marL="1371600" algn="l" defTabSz="914400" rtl="0" eaLnBrk="1" latinLnBrk="0" hangingPunct="1">
+      <a:defRPr sz="1200" kern="1200">
+        <a:solidFill>
+          <a:schemeClr val="tx1"/>
+        </a:solidFill>
+        <a:latin typeface="+mn-lt"/>
+        <a:ea typeface="+mn-ea"/>
+        <a:cs typeface="+mn-cs"/>
+      </a:defRPr>
+    </a:lvl4pPr>
+    <a:lvl5pPr marL="1828800" algn="l" defTabSz="914400" rtl="0" eaLnBrk="1" latinLnBrk="0" hangingPunct="1">
+      <a:defRPr sz="1200" kern="1200">
+        <a:solidFill>
+          <a:schemeClr val="tx1"/>
+        </a:solidFill>
+        <a:latin typeface="+mn-lt"/>
+        <a:ea typeface="+mn-ea"/>
+        <a:cs typeface="+mn-cs"/>
+      </a:defRPr>
+    </a:lvl5pPr>
+    <a:lvl6pPr marL="2286000" algn="l" defTabSz="914400" rtl="0" eaLnBrk="1" latinLnBrk="0" hangingPunct="1">
+      <a:defRPr sz="1200" kern="1200">
+        <a:solidFill>
+          <a:schemeClr val="tx1"/>
+        </a:solidFill>
+        <a:latin typeface="+mn-lt"/>
+        <a:ea typeface="+mn-ea"/>
+        <a:cs typeface="+mn-cs"/>
+      </a:defRPr>
+    </a:lvl6pPr>
+    <a:lvl7pPr marL="2743200" algn="l" defTabSz="914400" rtl="0" eaLnBrk="1" latinLnBrk="0" hangingPunct="1">
+      <a:defRPr sz="1200" kern="1200">
+        <a:solidFill>
+          <a:schemeClr val="tx1"/>
+        </a:solidFill>
+        <a:latin typeface="+mn-lt"/>
+        <a:ea typeface="+mn-ea"/>
+        <a:cs typeface="+mn-cs"/>
+      </a:defRPr>
+    </a:lvl7pPr>
+    <a:lvl8pPr marL="3200400" algn="l" defTabSz="914400" rtl="0" eaLnBrk="1" latinLnBrk="0" hangingPunct="1">
+      <a:defRPr sz="1200" kern="1200">
+        <a:solidFill>
+          <a:schemeClr val="tx1"/>
+        </a:solidFill>
+        <a:latin typeface="+mn-lt"/>
+        <a:ea typeface="+mn-ea"/>
+        <a:cs typeface="+mn-cs"/>
+      </a:defRPr>
+    </a:lvl8pPr>
+    <a:lvl9pPr marL="3657600" algn="l" defTabSz="914400" rtl="0" eaLnBrk="1" latinLnBrk="0" hangingPunct="1">
+      <a:defRPr sz="1200" kern="1200">
+        <a:solidFill>
+          <a:schemeClr val="tx1"/>
+        </a:solidFill>
+        <a:latin typeface="+mn-lt"/>
+        <a:ea typeface="+mn-ea"/>
+        <a:cs typeface="+mn-cs"/>
+      </a:defRPr>
+    </a:lvl9pPr>
+  </p:notesStyle>
+</p:notesMaster>
+</file>
+
+<file path=ppt/notesSlides/notesSlide1.xml><?xml version="1.0" encoding="utf-8"?>
+<p:notes xmlns:a="http://schemas.openxmlformats.org/drawingml/2006/main" xmlns:r="http://schemas.openxmlformats.org/officeDocument/2006/relationships" xmlns:p="http://schemas.openxmlformats.org/presentationml/2006/main">
+  <p:cSld>
+    <p:spTree>
+      <p:nvGrpSpPr>
+        <p:cNvPr id="1" name=""/>
+        <p:cNvGrpSpPr/>
+        <p:nvPr/>
+      </p:nvGrpSpPr>
+      <p:grpSpPr>
+        <a:xfrm>
+          <a:off x="0" y="0"/>
+          <a:ext cx="0" cy="0"/>
+          <a:chOff x="0" y="0"/>
+          <a:chExt cx="0" cy="0"/>
+        </a:xfrm>
+      </p:grpSpPr>
+      <p:sp>
+        <p:nvSpPr>
+          <p:cNvPr id="2" name="Образ слайда 1"/>
+          <p:cNvSpPr>
+            <a:spLocks noGrp="1" noRot="1" noChangeAspect="1"/>
+          </p:cNvSpPr>
+          <p:nvPr>
+            <p:ph type="sldImg"/>
+          </p:nvPr>
+        </p:nvSpPr>
+        <p:spPr/>
+      </p:sp>
+      <p:sp>
+        <p:nvSpPr>
+          <p:cNvPr id="3" name="Заметки 2"/>
+          <p:cNvSpPr>
+            <a:spLocks noGrp="1"/>
+          </p:cNvSpPr>
+          <p:nvPr>
+            <p:ph type="body" idx="1"/>
+          </p:nvPr>
+        </p:nvSpPr>
+        <p:spPr/>
+        <p:txBody>
+          <a:bodyPr/>
+          <a:lstStyle/>
+          <a:p>
+            <a:endParaRPr lang="ru-RU"/>
+          </a:p>
+        </p:txBody>
+      </p:sp>
+      <p:sp>
+        <p:nvSpPr>
+          <p:cNvPr id="4" name="Номер слайда 3"/>
+          <p:cNvSpPr>
+            <a:spLocks noGrp="1"/>
+          </p:cNvSpPr>
+          <p:nvPr>
+            <p:ph type="sldNum" sz="quarter" idx="10"/>
+          </p:nvPr>
+        </p:nvSpPr>
+        <p:spPr/>
+        <p:txBody>
+          <a:bodyPr/>
+          <a:lstStyle/>
+          <a:p>
+            <a:fld id="{EE627FFE-BC01-412F-8DDF-B9EA07E906CB}" type="slidenum">
+              <a:rPr lang="ru-RU" smtClean="0"/>
+              <a:t>16</a:t>
+            </a:fld>
+            <a:endParaRPr lang="ru-RU"/>
+          </a:p>
+        </p:txBody>
+      </p:sp>
+    </p:spTree>
+    <p:extLst>
+      <p:ext uri="{BB962C8B-B14F-4D97-AF65-F5344CB8AC3E}">
+        <p14:creationId xmlns:p14="http://schemas.microsoft.com/office/powerpoint/2010/main" val="2912254758"/>
+      </p:ext>
+    </p:extLst>
+  </p:cSld>
+  <p:clrMapOvr>
+    <a:masterClrMapping/>
+  </p:clrMapOvr>
+</p:notes>
 </file>
 
 <file path=ppt/slideLayouts/slideLayout1.xml><?xml version="1.0" encoding="utf-8"?>
@@ -846,9 +1284,9 @@
           <a:bodyPr/>
           <a:lstStyle/>
           <a:p>
-            <a:fld id="{8AEF743B-45FA-4944-8FFC-680D000DE993}" type="datetimeFigureOut">
+            <a:fld id="{C7CD2467-0425-4B2A-984A-6E04223671D1}" type="datetime1">
               <a:rPr lang="ru-RU" smtClean="0"/>
-              <a:t>08.04.2014</a:t>
+              <a:t>29.08.2015</a:t>
             </a:fld>
             <a:endParaRPr lang="ru-RU"/>
           </a:p>
@@ -869,6 +1307,10 @@
           <a:bodyPr/>
           <a:lstStyle/>
           <a:p>
+            <a:r>
+              <a:rPr lang="en-US" smtClean="0"/>
+              <a:t>dmitry@protopopov.ru</a:t>
+            </a:r>
             <a:endParaRPr lang="ru-RU"/>
           </a:p>
         </p:txBody>
@@ -1097,9 +1539,9 @@
           <a:bodyPr/>
           <a:lstStyle/>
           <a:p>
-            <a:fld id="{8AEF743B-45FA-4944-8FFC-680D000DE993}" type="datetimeFigureOut">
+            <a:fld id="{B81096F4-3BDF-45C3-9A66-D79E798B20E9}" type="datetime1">
               <a:rPr lang="ru-RU" smtClean="0"/>
-              <a:t>08.04.2014</a:t>
+              <a:t>29.08.2015</a:t>
             </a:fld>
             <a:endParaRPr lang="ru-RU"/>
           </a:p>
@@ -1120,6 +1562,10 @@
           <a:bodyPr/>
           <a:lstStyle/>
           <a:p>
+            <a:r>
+              <a:rPr lang="en-US" smtClean="0"/>
+              <a:t>dmitry@protopopov.ru</a:t>
+            </a:r>
             <a:endParaRPr lang="ru-RU"/>
           </a:p>
         </p:txBody>
@@ -1411,9 +1857,9 @@
           <a:bodyPr/>
           <a:lstStyle/>
           <a:p>
-            <a:fld id="{8AEF743B-45FA-4944-8FFC-680D000DE993}" type="datetimeFigureOut">
+            <a:fld id="{07DA7D25-AEC3-493D-A900-CEAEB8DBA131}" type="datetime1">
               <a:rPr lang="ru-RU" smtClean="0"/>
-              <a:t>08.04.2014</a:t>
+              <a:t>29.08.2015</a:t>
             </a:fld>
             <a:endParaRPr lang="ru-RU"/>
           </a:p>
@@ -1434,6 +1880,10 @@
           <a:bodyPr/>
           <a:lstStyle/>
           <a:p>
+            <a:r>
+              <a:rPr lang="en-US" smtClean="0"/>
+              <a:t>dmitry@protopopov.ru</a:t>
+            </a:r>
             <a:endParaRPr lang="ru-RU"/>
           </a:p>
         </p:txBody>
@@ -1752,9 +2202,9 @@
           <a:bodyPr/>
           <a:lstStyle/>
           <a:p>
-            <a:fld id="{8AEF743B-45FA-4944-8FFC-680D000DE993}" type="datetimeFigureOut">
+            <a:fld id="{AF349DDB-0240-45AC-977B-9E91A57AD2B4}" type="datetime1">
               <a:rPr lang="ru-RU" smtClean="0"/>
-              <a:t>08.04.2014</a:t>
+              <a:t>29.08.2015</a:t>
             </a:fld>
             <a:endParaRPr lang="ru-RU"/>
           </a:p>
@@ -1775,6 +2225,10 @@
           <a:bodyPr/>
           <a:lstStyle/>
           <a:p>
+            <a:r>
+              <a:rPr lang="en-US" smtClean="0"/>
+              <a:t>dmitry@protopopov.ru</a:t>
+            </a:r>
             <a:endParaRPr lang="ru-RU"/>
           </a:p>
         </p:txBody>
@@ -2066,9 +2520,9 @@
           <a:bodyPr/>
           <a:lstStyle/>
           <a:p>
-            <a:fld id="{8AEF743B-45FA-4944-8FFC-680D000DE993}" type="datetimeFigureOut">
+            <a:fld id="{70F43DDA-9D04-4426-82A8-CD0CF28420C6}" type="datetime1">
               <a:rPr lang="ru-RU" smtClean="0"/>
-              <a:t>08.04.2014</a:t>
+              <a:t>29.08.2015</a:t>
             </a:fld>
             <a:endParaRPr lang="ru-RU"/>
           </a:p>
@@ -2089,6 +2543,10 @@
           <a:bodyPr/>
           <a:lstStyle/>
           <a:p>
+            <a:r>
+              <a:rPr lang="en-US" smtClean="0"/>
+              <a:t>dmitry@protopopov.ru</a:t>
+            </a:r>
             <a:endParaRPr lang="ru-RU"/>
           </a:p>
         </p:txBody>
@@ -2459,9 +2917,9 @@
           <a:bodyPr/>
           <a:lstStyle/>
           <a:p>
-            <a:fld id="{8AEF743B-45FA-4944-8FFC-680D000DE993}" type="datetimeFigureOut">
+            <a:fld id="{87CF2EE0-8EDA-4DCB-8D3F-7A80290D8019}" type="datetime1">
               <a:rPr lang="ru-RU" smtClean="0"/>
-              <a:t>08.04.2014</a:t>
+              <a:t>29.08.2015</a:t>
             </a:fld>
             <a:endParaRPr lang="ru-RU"/>
           </a:p>
@@ -2482,6 +2940,10 @@
           <a:bodyPr/>
           <a:lstStyle/>
           <a:p>
+            <a:r>
+              <a:rPr lang="en-US" smtClean="0"/>
+              <a:t>dmitry@protopopov.ru</a:t>
+            </a:r>
             <a:endParaRPr lang="ru-RU"/>
           </a:p>
         </p:txBody>
@@ -2629,9 +3091,9 @@
           <a:bodyPr/>
           <a:lstStyle/>
           <a:p>
-            <a:fld id="{8AEF743B-45FA-4944-8FFC-680D000DE993}" type="datetimeFigureOut">
+            <a:fld id="{44532137-AC47-49F7-A7CE-5D72AD5BF1E6}" type="datetime1">
               <a:rPr lang="ru-RU" smtClean="0"/>
-              <a:t>08.04.2014</a:t>
+              <a:t>29.08.2015</a:t>
             </a:fld>
             <a:endParaRPr lang="ru-RU"/>
           </a:p>
@@ -2652,6 +3114,10 @@
           <a:bodyPr/>
           <a:lstStyle/>
           <a:p>
+            <a:r>
+              <a:rPr lang="en-US" smtClean="0"/>
+              <a:t>dmitry@protopopov.ru</a:t>
+            </a:r>
             <a:endParaRPr lang="ru-RU"/>
           </a:p>
         </p:txBody>
@@ -2809,9 +3275,9 @@
           <a:bodyPr/>
           <a:lstStyle/>
           <a:p>
-            <a:fld id="{8AEF743B-45FA-4944-8FFC-680D000DE993}" type="datetimeFigureOut">
+            <a:fld id="{0849CA56-F66F-4074-AEDC-56283EB9F7C6}" type="datetime1">
               <a:rPr lang="ru-RU" smtClean="0"/>
-              <a:t>08.04.2014</a:t>
+              <a:t>29.08.2015</a:t>
             </a:fld>
             <a:endParaRPr lang="ru-RU"/>
           </a:p>
@@ -2832,6 +3298,10 @@
           <a:bodyPr/>
           <a:lstStyle/>
           <a:p>
+            <a:r>
+              <a:rPr lang="en-US" smtClean="0"/>
+              <a:t>dmitry@protopopov.ru</a:t>
+            </a:r>
             <a:endParaRPr lang="ru-RU"/>
           </a:p>
         </p:txBody>
@@ -2985,9 +3455,9 @@
           <a:bodyPr/>
           <a:lstStyle/>
           <a:p>
-            <a:fld id="{8AEF743B-45FA-4944-8FFC-680D000DE993}" type="datetimeFigureOut">
+            <a:fld id="{20B80E21-BC5A-4391-8F7E-489373594141}" type="datetime1">
               <a:rPr lang="ru-RU" smtClean="0"/>
-              <a:t>08.04.2014</a:t>
+              <a:t>29.08.2015</a:t>
             </a:fld>
             <a:endParaRPr lang="ru-RU"/>
           </a:p>
@@ -3008,6 +3478,10 @@
           <a:bodyPr/>
           <a:lstStyle/>
           <a:p>
+            <a:r>
+              <a:rPr lang="en-US" smtClean="0"/>
+              <a:t>dmitry@protopopov.ru</a:t>
+            </a:r>
             <a:endParaRPr lang="ru-RU"/>
           </a:p>
         </p:txBody>
@@ -3232,9 +3706,9 @@
           <a:bodyPr/>
           <a:lstStyle/>
           <a:p>
-            <a:fld id="{8AEF743B-45FA-4944-8FFC-680D000DE993}" type="datetimeFigureOut">
+            <a:fld id="{15EB79E8-2D87-40B7-A00C-A6E085A1A07B}" type="datetime1">
               <a:rPr lang="ru-RU" smtClean="0"/>
-              <a:t>08.04.2014</a:t>
+              <a:t>29.08.2015</a:t>
             </a:fld>
             <a:endParaRPr lang="ru-RU"/>
           </a:p>
@@ -3255,6 +3729,10 @@
           <a:bodyPr/>
           <a:lstStyle/>
           <a:p>
+            <a:r>
+              <a:rPr lang="en-US" smtClean="0"/>
+              <a:t>dmitry@protopopov.ru</a:t>
+            </a:r>
             <a:endParaRPr lang="ru-RU"/>
           </a:p>
         </p:txBody>
@@ -3464,9 +3942,9 @@
           <a:bodyPr/>
           <a:lstStyle/>
           <a:p>
-            <a:fld id="{8AEF743B-45FA-4944-8FFC-680D000DE993}" type="datetimeFigureOut">
+            <a:fld id="{CA4EFD43-D2B0-4A30-97F1-9940E68A18E6}" type="datetime1">
               <a:rPr lang="ru-RU" smtClean="0"/>
-              <a:t>08.04.2014</a:t>
+              <a:t>29.08.2015</a:t>
             </a:fld>
             <a:endParaRPr lang="ru-RU"/>
           </a:p>
@@ -3487,6 +3965,10 @@
           <a:bodyPr/>
           <a:lstStyle/>
           <a:p>
+            <a:r>
+              <a:rPr lang="en-US" smtClean="0"/>
+              <a:t>dmitry@protopopov.ru</a:t>
+            </a:r>
             <a:endParaRPr lang="ru-RU"/>
           </a:p>
         </p:txBody>
@@ -3838,9 +4320,9 @@
           <a:bodyPr/>
           <a:lstStyle/>
           <a:p>
-            <a:fld id="{8AEF743B-45FA-4944-8FFC-680D000DE993}" type="datetimeFigureOut">
+            <a:fld id="{9DC680FB-E256-4769-B3BE-F18739F17FDA}" type="datetime1">
               <a:rPr lang="ru-RU" smtClean="0"/>
-              <a:t>08.04.2014</a:t>
+              <a:t>29.08.2015</a:t>
             </a:fld>
             <a:endParaRPr lang="ru-RU"/>
           </a:p>
@@ -3861,6 +4343,10 @@
           <a:bodyPr/>
           <a:lstStyle/>
           <a:p>
+            <a:r>
+              <a:rPr lang="en-US" smtClean="0"/>
+              <a:t>dmitry@protopopov.ru</a:t>
+            </a:r>
             <a:endParaRPr lang="ru-RU"/>
           </a:p>
         </p:txBody>
@@ -3961,9 +4447,9 @@
           <a:bodyPr/>
           <a:lstStyle/>
           <a:p>
-            <a:fld id="{8AEF743B-45FA-4944-8FFC-680D000DE993}" type="datetimeFigureOut">
+            <a:fld id="{48D82769-E1F5-4DF2-A3A0-42E29826BBA7}" type="datetime1">
               <a:rPr lang="ru-RU" smtClean="0"/>
-              <a:t>08.04.2014</a:t>
+              <a:t>29.08.2015</a:t>
             </a:fld>
             <a:endParaRPr lang="ru-RU"/>
           </a:p>
@@ -3984,6 +4470,10 @@
           <a:bodyPr/>
           <a:lstStyle/>
           <a:p>
+            <a:r>
+              <a:rPr lang="en-US" smtClean="0"/>
+              <a:t>dmitry@protopopov.ru</a:t>
+            </a:r>
             <a:endParaRPr lang="ru-RU"/>
           </a:p>
         </p:txBody>
@@ -4056,9 +4546,9 @@
           <a:bodyPr/>
           <a:lstStyle/>
           <a:p>
-            <a:fld id="{8AEF743B-45FA-4944-8FFC-680D000DE993}" type="datetimeFigureOut">
+            <a:fld id="{C16864AE-18C2-449D-9CC3-424533D37CB6}" type="datetime1">
               <a:rPr lang="ru-RU" smtClean="0"/>
-              <a:t>08.04.2014</a:t>
+              <a:t>29.08.2015</a:t>
             </a:fld>
             <a:endParaRPr lang="ru-RU"/>
           </a:p>
@@ -4079,6 +4569,10 @@
           <a:bodyPr/>
           <a:lstStyle/>
           <a:p>
+            <a:r>
+              <a:rPr lang="en-US" smtClean="0"/>
+              <a:t>dmitry@protopopov.ru</a:t>
+            </a:r>
             <a:endParaRPr lang="ru-RU"/>
           </a:p>
         </p:txBody>
@@ -4311,9 +4805,9 @@
           <a:bodyPr/>
           <a:lstStyle/>
           <a:p>
-            <a:fld id="{8AEF743B-45FA-4944-8FFC-680D000DE993}" type="datetimeFigureOut">
+            <a:fld id="{901D01A1-BBB1-4D65-9477-C24C01278101}" type="datetime1">
               <a:rPr lang="ru-RU" smtClean="0"/>
-              <a:t>08.04.2014</a:t>
+              <a:t>29.08.2015</a:t>
             </a:fld>
             <a:endParaRPr lang="ru-RU"/>
           </a:p>
@@ -4334,6 +4828,10 @@
           <a:bodyPr/>
           <a:lstStyle/>
           <a:p>
+            <a:r>
+              <a:rPr lang="en-US" smtClean="0"/>
+              <a:t>dmitry@protopopov.ru</a:t>
+            </a:r>
             <a:endParaRPr lang="ru-RU"/>
           </a:p>
         </p:txBody>
@@ -4574,9 +5072,9 @@
           <a:bodyPr/>
           <a:lstStyle/>
           <a:p>
-            <a:fld id="{8AEF743B-45FA-4944-8FFC-680D000DE993}" type="datetimeFigureOut">
+            <a:fld id="{3A08CBBF-4574-467E-9D2B-990B942B8D4F}" type="datetime1">
               <a:rPr lang="ru-RU" smtClean="0"/>
-              <a:t>08.04.2014</a:t>
+              <a:t>29.08.2015</a:t>
             </a:fld>
             <a:endParaRPr lang="ru-RU"/>
           </a:p>
@@ -4597,6 +5095,10 @@
           <a:bodyPr/>
           <a:lstStyle/>
           <a:p>
+            <a:r>
+              <a:rPr lang="en-US" smtClean="0"/>
+              <a:t>dmitry@protopopov.ru</a:t>
+            </a:r>
             <a:endParaRPr lang="ru-RU"/>
           </a:p>
         </p:txBody>
@@ -5317,9 +5819,9 @@
             </a:lvl1pPr>
           </a:lstStyle>
           <a:p>
-            <a:fld id="{8AEF743B-45FA-4944-8FFC-680D000DE993}" type="datetimeFigureOut">
+            <a:fld id="{AE3AC5D8-AC99-4086-81B3-FFC349CD2F3B}" type="datetime1">
               <a:rPr lang="ru-RU" smtClean="0"/>
-              <a:t>08.04.2014</a:t>
+              <a:t>29.08.2015</a:t>
             </a:fld>
             <a:endParaRPr lang="ru-RU"/>
           </a:p>
@@ -5358,6 +5860,10 @@
             </a:lvl1pPr>
           </a:lstStyle>
           <a:p>
+            <a:r>
+              <a:rPr lang="en-US" smtClean="0"/>
+              <a:t>dmitry@protopopov.ru</a:t>
+            </a:r>
             <a:endParaRPr lang="ru-RU"/>
           </a:p>
         </p:txBody>
@@ -5427,6 +5933,7 @@
     <p:sldLayoutId id="2147483675" r:id="rId15"/>
     <p:sldLayoutId id="2147483676" r:id="rId16"/>
   </p:sldLayoutIdLst>
+  <p:hf sldNum="0" hdr="0" dt="0"/>
   <p:txStyles>
     <p:titleStyle>
       <a:lvl1pPr algn="l" defTabSz="457200" rtl="0" eaLnBrk="1" latinLnBrk="0" hangingPunct="1">
@@ -5991,15 +6498,7 @@
             </a:r>
             <a:r>
               <a:rPr lang="ru-RU" dirty="0" smtClean="0"/>
-              <a:t>каждый </a:t>
-            </a:r>
-            <a:r>
-              <a:rPr lang="ru-RU" dirty="0" err="1" smtClean="0"/>
-              <a:t>подмассив</a:t>
-            </a:r>
-            <a:r>
-              <a:rPr lang="ru-RU" dirty="0" smtClean="0"/>
-              <a:t> сортируется </a:t>
+              <a:t>каждый подмассив сортируется </a:t>
             </a:r>
             <a:r>
               <a:rPr lang="ru-RU" dirty="0"/>
@@ -6018,15 +6517,7 @@
             </a:r>
             <a:r>
               <a:rPr lang="ru-RU" dirty="0"/>
-              <a:t>каждый </a:t>
-            </a:r>
-            <a:r>
-              <a:rPr lang="ru-RU" dirty="0" err="1"/>
-              <a:t>подмассив</a:t>
-            </a:r>
-            <a:r>
-              <a:rPr lang="ru-RU" dirty="0"/>
-              <a:t> </a:t>
+              <a:t>каждый подмассив </a:t>
             </a:r>
             <a:r>
               <a:rPr lang="ru-RU" dirty="0" smtClean="0"/>
@@ -6037,7 +6528,7 @@
               <a:t>соответствующим процессом вызовом библиотечной функции </a:t>
             </a:r>
             <a:r>
-              <a:rPr lang="en-US" b="1" dirty="0" err="1"/>
+              <a:rPr lang="en-US" b="1" dirty="0"/>
               <a:t>qsort</a:t>
             </a:r>
             <a:r>
@@ -6051,6 +6542,29 @@
           </a:p>
           <a:p>
             <a:endParaRPr lang="ru-RU" dirty="0"/>
+          </a:p>
+        </p:txBody>
+      </p:sp>
+      <p:sp>
+        <p:nvSpPr>
+          <p:cNvPr id="4" name="Нижний колонтитул 3"/>
+          <p:cNvSpPr>
+            <a:spLocks noGrp="1"/>
+          </p:cNvSpPr>
+          <p:nvPr>
+            <p:ph type="ftr" sz="quarter" idx="11"/>
+          </p:nvPr>
+        </p:nvSpPr>
+        <p:spPr/>
+        <p:txBody>
+          <a:bodyPr/>
+          <a:lstStyle/>
+          <a:p>
+            <a:r>
+              <a:rPr lang="en-US" smtClean="0"/>
+              <a:t>dmitry@protopopov.ru</a:t>
+            </a:r>
+            <a:endParaRPr lang="ru-RU"/>
           </a:p>
         </p:txBody>
       </p:sp>
@@ -6151,15 +6665,7 @@
             </a:r>
             <a:r>
               <a:rPr lang="ru-RU" dirty="0" smtClean="0"/>
-              <a:t>для каждой пары </a:t>
-            </a:r>
-            <a:r>
-              <a:rPr lang="ru-RU" dirty="0" err="1" smtClean="0"/>
-              <a:t>подмассивов</a:t>
-            </a:r>
-            <a:r>
-              <a:rPr lang="ru-RU" dirty="0" smtClean="0"/>
-              <a:t> производится сортировка слияниями с копированием результата в новый массив, при этом на </a:t>
+              <a:t>для каждой пары подмассивов производится сортировка слияниями с копированием результата в новый массив, при этом на </a:t>
             </a:r>
             <a:r>
               <a:rPr lang="en-US" dirty="0" smtClean="0"/>
@@ -6167,11 +6673,7 @@
             </a:r>
             <a:r>
               <a:rPr lang="ru-RU" dirty="0" smtClean="0"/>
-              <a:t>запускается количество параллельных нитей равное числу пар </a:t>
-            </a:r>
-            <a:r>
-              <a:rPr lang="ru-RU" dirty="0" err="1" smtClean="0"/>
-              <a:t>подмассивов</a:t>
+              <a:t>запускается количество параллельных нитей равное числу пар подмассивов</a:t>
             </a:r>
             <a:endParaRPr lang="en-US" dirty="0"/>
           </a:p>
@@ -6202,7 +6704,7 @@
               <a:t>Поэтому каждый процесс определяет своего соседа исходя из своего номера процесса, полученного вызовом метода </a:t>
             </a:r>
             <a:r>
-              <a:rPr lang="en-US" dirty="0" err="1" smtClean="0"/>
+              <a:rPr lang="en-US" dirty="0" smtClean="0"/>
               <a:t>MPI_Comm_rank</a:t>
             </a:r>
             <a:r>
@@ -6215,15 +6717,7 @@
             <a:pPr lvl="1" algn="just"/>
             <a:r>
               <a:rPr lang="ru-RU" dirty="0" smtClean="0"/>
-              <a:t>производит взаимный обмен данными </a:t>
-            </a:r>
-            <a:r>
-              <a:rPr lang="ru-RU" dirty="0" err="1" smtClean="0"/>
-              <a:t>подмассива</a:t>
-            </a:r>
-            <a:r>
-              <a:rPr lang="ru-RU" dirty="0" smtClean="0"/>
-              <a:t> с соседом </a:t>
+              <a:t>производит взаимный обмен данными подмассива с соседом </a:t>
             </a:r>
           </a:p>
           <a:p>
@@ -6249,6 +6743,29 @@
           </a:p>
           <a:p>
             <a:endParaRPr lang="ru-RU" dirty="0"/>
+          </a:p>
+        </p:txBody>
+      </p:sp>
+      <p:sp>
+        <p:nvSpPr>
+          <p:cNvPr id="4" name="Нижний колонтитул 3"/>
+          <p:cNvSpPr>
+            <a:spLocks noGrp="1"/>
+          </p:cNvSpPr>
+          <p:nvPr>
+            <p:ph type="ftr" sz="quarter" idx="11"/>
+          </p:nvPr>
+        </p:nvSpPr>
+        <p:spPr/>
+        <p:txBody>
+          <a:bodyPr/>
+          <a:lstStyle/>
+          <a:p>
+            <a:r>
+              <a:rPr lang="en-US" smtClean="0"/>
+              <a:t>dmitry@protopopov.ru</a:t>
+            </a:r>
+            <a:endParaRPr lang="ru-RU"/>
           </a:p>
         </p:txBody>
       </p:sp>
@@ -6350,15 +6867,7 @@
             </a:r>
             <a:r>
               <a:rPr lang="ru-RU" dirty="0" smtClean="0"/>
-              <a:t>нитям и разделение исходного массива производилось только с помощью создания вспомогательной таблицы – индексов первого элемента </a:t>
-            </a:r>
-            <a:r>
-              <a:rPr lang="ru-RU" dirty="0" err="1" smtClean="0"/>
-              <a:t>подмассива</a:t>
-            </a:r>
-            <a:r>
-              <a:rPr lang="ru-RU" dirty="0" smtClean="0"/>
-              <a:t> в исходном массиве</a:t>
+              <a:t>нитям и разделение исходного массива производилось только с помощью создания вспомогательной таблицы – индексов первого элемента подмассива в исходном массиве</a:t>
             </a:r>
             <a:endParaRPr lang="ru-RU" dirty="0"/>
           </a:p>
@@ -6439,6 +6948,29 @@
               <a:t>процессов</a:t>
             </a:r>
             <a:endParaRPr lang="ru-RU" dirty="0"/>
+          </a:p>
+        </p:txBody>
+      </p:sp>
+      <p:sp>
+        <p:nvSpPr>
+          <p:cNvPr id="4" name="Нижний колонтитул 3"/>
+          <p:cNvSpPr>
+            <a:spLocks noGrp="1"/>
+          </p:cNvSpPr>
+          <p:nvPr>
+            <p:ph type="ftr" sz="quarter" idx="11"/>
+          </p:nvPr>
+        </p:nvSpPr>
+        <p:spPr/>
+        <p:txBody>
+          <a:bodyPr/>
+          <a:lstStyle/>
+          <a:p>
+            <a:r>
+              <a:rPr lang="en-US" smtClean="0"/>
+              <a:t>dmitry@protopopov.ru</a:t>
+            </a:r>
+            <a:endParaRPr lang="ru-RU"/>
           </a:p>
         </p:txBody>
       </p:sp>
@@ -6528,33 +7060,32 @@
             </a:r>
             <a:r>
               <a:rPr lang="ru-RU" dirty="0" smtClean="0"/>
-              <a:t>на этапе слияния двух отсортированных  </a:t>
-            </a:r>
-            <a:r>
-              <a:rPr lang="ru-RU" dirty="0" err="1" smtClean="0"/>
-              <a:t>подмассивов</a:t>
-            </a:r>
-            <a:r>
-              <a:rPr lang="ru-RU" dirty="0" smtClean="0"/>
-              <a:t> в один отсортированный массив, нет необходимости производить формирование массива полного размера, равного сумме размеров двух </a:t>
-            </a:r>
-            <a:r>
-              <a:rPr lang="ru-RU" dirty="0" err="1" smtClean="0"/>
-              <a:t>подмассивов</a:t>
-            </a:r>
-            <a:r>
-              <a:rPr lang="ru-RU" dirty="0" smtClean="0"/>
-              <a:t>. Достаточно сформировать только отсортированную оставляемую часть, что позволит сократить количество необходимых вычислительных операций до 2-х раз, хотя в среднем сокращение количества вычислительных операций будет значительно </a:t>
-            </a:r>
-            <a:r>
-              <a:rPr lang="ru-RU" smtClean="0"/>
-              <a:t>меньше чем </a:t>
-            </a:r>
-            <a:r>
-              <a:rPr lang="ru-RU" dirty="0" smtClean="0"/>
-              <a:t>2 раза.</a:t>
+              <a:t>на этапе слияния двух отсортированных  подмассивов в один отсортированный массив, нет необходимости производить формирование массива полного размера, равного сумме размеров двух подмассивов. Достаточно сформировать только отсортированную оставляемую часть, что позволит сократить количество необходимых вычислительных операций до 2-х раз, хотя в среднем сокращение количества вычислительных операций будет значительно меньше чем 2 раза.</a:t>
             </a:r>
             <a:endParaRPr lang="ru-RU" dirty="0"/>
+          </a:p>
+        </p:txBody>
+      </p:sp>
+      <p:sp>
+        <p:nvSpPr>
+          <p:cNvPr id="4" name="Нижний колонтитул 3"/>
+          <p:cNvSpPr>
+            <a:spLocks noGrp="1"/>
+          </p:cNvSpPr>
+          <p:nvPr>
+            <p:ph type="ftr" sz="quarter" idx="11"/>
+          </p:nvPr>
+        </p:nvSpPr>
+        <p:spPr/>
+        <p:txBody>
+          <a:bodyPr/>
+          <a:lstStyle/>
+          <a:p>
+            <a:r>
+              <a:rPr lang="en-US" smtClean="0"/>
+              <a:t>dmitry@protopopov.ru</a:t>
+            </a:r>
+            <a:endParaRPr lang="ru-RU"/>
           </a:p>
         </p:txBody>
       </p:sp>
@@ -6684,21 +7215,12 @@
             </a:pPr>
             <a:r>
               <a:rPr lang="ru-RU" dirty="0" smtClean="0"/>
-              <a:t>Все процессы сортируют полученные </a:t>
-            </a:r>
-            <a:r>
-              <a:rPr lang="ru-RU" dirty="0" err="1" smtClean="0"/>
-              <a:t>подмассивы</a:t>
-            </a:r>
-            <a:r>
-              <a:rPr lang="ru-RU" dirty="0" smtClean="0"/>
-              <a:t> процедурой </a:t>
-            </a:r>
-            <a:r>
-              <a:rPr lang="en-US" dirty="0" err="1" smtClean="0"/>
+              <a:t>Все процессы сортируют полученные подмассивы процедурой </a:t>
+            </a:r>
+            <a:r>
+              <a:rPr lang="en-US" dirty="0" smtClean="0"/>
               <a:t>qsort</a:t>
             </a:r>
-            <a:endParaRPr lang="en-US" dirty="0" smtClean="0"/>
           </a:p>
           <a:p>
             <a:pPr algn="just">
@@ -6801,15 +7323,7 @@
             </a:r>
             <a:r>
               <a:rPr lang="ru-RU" dirty="0" smtClean="0"/>
-              <a:t> обменивается </a:t>
-            </a:r>
-            <a:r>
-              <a:rPr lang="ru-RU" dirty="0" err="1" smtClean="0"/>
-              <a:t>подмассивом</a:t>
-            </a:r>
-            <a:r>
-              <a:rPr lang="ru-RU" dirty="0" smtClean="0"/>
-              <a:t> с соседом, определяемым чётностью </a:t>
+              <a:t> обменивается подмассивом с соседом, определяемым чётностью </a:t>
             </a:r>
             <a:r>
               <a:rPr lang="en-US" dirty="0" smtClean="0"/>
@@ -6834,10 +7348,9 @@
               <a:t>применяет процедуру слияния отсортированных </a:t>
             </a:r>
             <a:r>
-              <a:rPr lang="ru-RU" dirty="0" err="1" smtClean="0"/>
+              <a:rPr lang="ru-RU" dirty="0" smtClean="0"/>
               <a:t>подмассивов</a:t>
             </a:r>
-            <a:endParaRPr lang="ru-RU" dirty="0" smtClean="0"/>
           </a:p>
           <a:p>
             <a:pPr lvl="1" algn="just">
@@ -6854,11 +7367,7 @@
             </a:r>
             <a:r>
               <a:rPr lang="ru-RU" dirty="0" smtClean="0"/>
-              <a:t>оставляет у себя левую или правую половину отсортированного массива, в зависимости, с соседом слева или справа был произведён обмен </a:t>
-            </a:r>
-            <a:r>
-              <a:rPr lang="ru-RU" dirty="0" err="1" smtClean="0"/>
-              <a:t>подмассивами</a:t>
+              <a:t>оставляет у себя левую или правую половину отсортированного массива, в зависимости, с соседом слева или справа был произведён обмен подмассивами</a:t>
             </a:r>
             <a:endParaRPr lang="en-US" dirty="0" smtClean="0"/>
           </a:p>
@@ -6896,15 +7405,7 @@
             </a:r>
             <a:r>
               <a:rPr lang="ru-RU" dirty="0" smtClean="0"/>
-              <a:t>последовательно опрашивает процессы и присоединяет полученные </a:t>
-            </a:r>
-            <a:r>
-              <a:rPr lang="ru-RU" dirty="0" err="1" smtClean="0"/>
-              <a:t>подмассивы</a:t>
-            </a:r>
-            <a:r>
-              <a:rPr lang="ru-RU" dirty="0" smtClean="0"/>
-              <a:t> к результирующему массиву</a:t>
+              <a:t>последовательно опрашивает процессы и присоединяет полученные подмассивы к результирующему массиву</a:t>
             </a:r>
             <a:endParaRPr lang="ru-RU" dirty="0"/>
           </a:p>
@@ -6914,6 +7415,29 @@
               <a:buAutoNum type="arabicPeriod"/>
             </a:pPr>
             <a:endParaRPr lang="ru-RU" dirty="0"/>
+          </a:p>
+        </p:txBody>
+      </p:sp>
+      <p:sp>
+        <p:nvSpPr>
+          <p:cNvPr id="4" name="Нижний колонтитул 3"/>
+          <p:cNvSpPr>
+            <a:spLocks noGrp="1"/>
+          </p:cNvSpPr>
+          <p:nvPr>
+            <p:ph type="ftr" sz="quarter" idx="11"/>
+          </p:nvPr>
+        </p:nvSpPr>
+        <p:spPr/>
+        <p:txBody>
+          <a:bodyPr/>
+          <a:lstStyle/>
+          <a:p>
+            <a:r>
+              <a:rPr lang="en-US" smtClean="0"/>
+              <a:t>dmitry@protopopov.ru</a:t>
+            </a:r>
+            <a:endParaRPr lang="ru-RU"/>
           </a:p>
         </p:txBody>
       </p:sp>
@@ -7097,15 +7621,7 @@
             </a:r>
             <a:r>
               <a:rPr lang="ru-RU" dirty="0" smtClean="0"/>
-              <a:t>каждый из которых сортирует один </a:t>
-            </a:r>
-            <a:r>
-              <a:rPr lang="ru-RU" dirty="0" err="1" smtClean="0"/>
-              <a:t>подмассив</a:t>
-            </a:r>
-            <a:r>
-              <a:rPr lang="ru-RU" dirty="0" smtClean="0"/>
-              <a:t> между индексами </a:t>
+              <a:t>каждый из которых сортирует один подмассив между индексами </a:t>
             </a:r>
             <a:r>
               <a:rPr lang="en-US" dirty="0" smtClean="0"/>
@@ -7334,10 +7850,211 @@
           </a:p>
         </p:txBody>
       </p:sp>
+      <p:sp>
+        <p:nvSpPr>
+          <p:cNvPr id="4" name="Нижний колонтитул 3"/>
+          <p:cNvSpPr>
+            <a:spLocks noGrp="1"/>
+          </p:cNvSpPr>
+          <p:nvPr>
+            <p:ph type="ftr" sz="quarter" idx="11"/>
+          </p:nvPr>
+        </p:nvSpPr>
+        <p:spPr/>
+        <p:txBody>
+          <a:bodyPr/>
+          <a:lstStyle/>
+          <a:p>
+            <a:r>
+              <a:rPr lang="en-US" smtClean="0"/>
+              <a:t>dmitry@protopopov.ru</a:t>
+            </a:r>
+            <a:endParaRPr lang="ru-RU"/>
+          </a:p>
+        </p:txBody>
+      </p:sp>
     </p:spTree>
     <p:extLst>
       <p:ext uri="{BB962C8B-B14F-4D97-AF65-F5344CB8AC3E}">
         <p14:creationId xmlns:p14="http://schemas.microsoft.com/office/powerpoint/2010/main" val="1039923623"/>
+      </p:ext>
+    </p:extLst>
+  </p:cSld>
+  <p:clrMapOvr>
+    <a:masterClrMapping/>
+  </p:clrMapOvr>
+</p:sld>
+</file>
+
+<file path=ppt/slides/slide16.xml><?xml version="1.0" encoding="utf-8"?>
+<p:sld xmlns:a="http://schemas.openxmlformats.org/drawingml/2006/main" xmlns:r="http://schemas.openxmlformats.org/officeDocument/2006/relationships" xmlns:p="http://schemas.openxmlformats.org/presentationml/2006/main">
+  <p:cSld>
+    <p:spTree>
+      <p:nvGrpSpPr>
+        <p:cNvPr id="1" name=""/>
+        <p:cNvGrpSpPr/>
+        <p:nvPr/>
+      </p:nvGrpSpPr>
+      <p:grpSpPr>
+        <a:xfrm>
+          <a:off x="0" y="0"/>
+          <a:ext cx="0" cy="0"/>
+          <a:chOff x="0" y="0"/>
+          <a:chExt cx="0" cy="0"/>
+        </a:xfrm>
+      </p:grpSpPr>
+      <p:sp>
+        <p:nvSpPr>
+          <p:cNvPr id="2" name="Заголовок 1"/>
+          <p:cNvSpPr>
+            <a:spLocks noGrp="1"/>
+          </p:cNvSpPr>
+          <p:nvPr>
+            <p:ph type="title"/>
+          </p:nvPr>
+        </p:nvSpPr>
+        <p:spPr/>
+        <p:txBody>
+          <a:bodyPr/>
+          <a:lstStyle/>
+          <a:p>
+            <a:r>
+              <a:rPr lang="ru-RU" dirty="0" smtClean="0"/>
+              <a:t>Спасибо за внимание</a:t>
+            </a:r>
+            <a:endParaRPr lang="ru-RU" dirty="0"/>
+          </a:p>
+        </p:txBody>
+      </p:sp>
+      <p:sp>
+        <p:nvSpPr>
+          <p:cNvPr id="3" name="Объект 2"/>
+          <p:cNvSpPr>
+            <a:spLocks noGrp="1"/>
+          </p:cNvSpPr>
+          <p:nvPr>
+            <p:ph idx="1"/>
+          </p:nvPr>
+        </p:nvSpPr>
+        <p:spPr/>
+        <p:txBody>
+          <a:bodyPr/>
+          <a:lstStyle/>
+          <a:p>
+            <a:r>
+              <a:rPr lang="ru-RU" dirty="0" smtClean="0"/>
+              <a:t>Контакты</a:t>
+            </a:r>
+            <a:endParaRPr lang="en-US" dirty="0" smtClean="0"/>
+          </a:p>
+          <a:p>
+            <a:pPr lvl="1"/>
+            <a:r>
+              <a:rPr lang="ru-RU" dirty="0" smtClean="0"/>
+              <a:t>Дмитрий Протопопов</a:t>
+            </a:r>
+            <a:r>
+              <a:rPr lang="en-US" dirty="0" smtClean="0"/>
+              <a:t>, </a:t>
+            </a:r>
+            <a:r>
+              <a:rPr lang="ru-RU" dirty="0" smtClean="0"/>
+              <a:t>Москва, Россия</a:t>
+            </a:r>
+            <a:r>
+              <a:rPr lang="en-US" dirty="0"/>
+              <a:t/>
+            </a:r>
+            <a:br>
+              <a:rPr lang="en-US" dirty="0"/>
+            </a:br>
+            <a:r>
+              <a:rPr lang="en-US" dirty="0"/>
+              <a:t> </a:t>
+            </a:r>
+            <a:r>
+              <a:rPr lang="en-US" dirty="0">
+                <a:hlinkClick r:id="rId3"/>
+              </a:rPr>
+              <a:t>dmitry@protopopov.ru</a:t>
+            </a:r>
+            <a:r>
+              <a:rPr lang="en-US" dirty="0"/>
+              <a:t> </a:t>
+            </a:r>
+            <a:br>
+              <a:rPr lang="en-US" dirty="0"/>
+            </a:br>
+            <a:r>
+              <a:rPr lang="en-US" dirty="0"/>
+              <a:t>+7 916 </a:t>
+            </a:r>
+            <a:r>
+              <a:rPr lang="en-US" dirty="0" smtClean="0"/>
+              <a:t>6969591</a:t>
+            </a:r>
+          </a:p>
+          <a:p>
+            <a:pPr marL="457200" lvl="1" indent="0">
+              <a:buNone/>
+            </a:pPr>
+            <a:endParaRPr lang="ru-RU" dirty="0" smtClean="0"/>
+          </a:p>
+          <a:p>
+            <a:pPr marL="457200" lvl="1" indent="0">
+              <a:buNone/>
+            </a:pPr>
+            <a:r>
+              <a:rPr lang="ru-RU" dirty="0" smtClean="0"/>
+              <a:t>Исходные коды и примеры использования доступны по адресу </a:t>
+            </a:r>
+            <a:r>
+              <a:rPr lang="en-US" dirty="0">
+                <a:hlinkClick r:id="rId4"/>
+              </a:rPr>
+              <a:t>https://</a:t>
+            </a:r>
+            <a:r>
+              <a:rPr lang="en-US" dirty="0" smtClean="0">
+                <a:hlinkClick r:id="rId4"/>
+              </a:rPr>
+              <a:t>github.com/dprotopopov/ParallelSorting</a:t>
+            </a:r>
+            <a:endParaRPr lang="ru-RU" dirty="0" smtClean="0"/>
+          </a:p>
+          <a:p>
+            <a:pPr lvl="1"/>
+            <a:endParaRPr lang="en-US" dirty="0" smtClean="0"/>
+          </a:p>
+        </p:txBody>
+      </p:sp>
+      <p:sp>
+        <p:nvSpPr>
+          <p:cNvPr id="4" name="Нижний колонтитул 3"/>
+          <p:cNvSpPr>
+            <a:spLocks noGrp="1"/>
+          </p:cNvSpPr>
+          <p:nvPr>
+            <p:ph type="ftr" sz="quarter" idx="11"/>
+          </p:nvPr>
+        </p:nvSpPr>
+        <p:spPr/>
+        <p:txBody>
+          <a:bodyPr/>
+          <a:lstStyle/>
+          <a:p>
+            <a:r>
+              <a:rPr lang="en-US" dirty="0" smtClean="0"/>
+              <a:t>dmitry@protopopov.ru</a:t>
+            </a:r>
+            <a:endParaRPr lang="ru-RU" dirty="0"/>
+          </a:p>
+        </p:txBody>
+      </p:sp>
+    </p:spTree>
+    <p:extLst>
+      <p:ext uri="{BB962C8B-B14F-4D97-AF65-F5344CB8AC3E}">
+        <p14:creationId xmlns:p14="http://schemas.microsoft.com/office/powerpoint/2010/main" val="3645548355"/>
       </p:ext>
     </p:extLst>
   </p:cSld>
@@ -7512,6 +8229,29 @@
               <a:t>).</a:t>
             </a:r>
             <a:endParaRPr lang="ru-RU" dirty="0"/>
+          </a:p>
+        </p:txBody>
+      </p:sp>
+      <p:sp>
+        <p:nvSpPr>
+          <p:cNvPr id="4" name="Нижний колонтитул 3"/>
+          <p:cNvSpPr>
+            <a:spLocks noGrp="1"/>
+          </p:cNvSpPr>
+          <p:nvPr>
+            <p:ph type="ftr" sz="quarter" idx="11"/>
+          </p:nvPr>
+        </p:nvSpPr>
+        <p:spPr/>
+        <p:txBody>
+          <a:bodyPr/>
+          <a:lstStyle/>
+          <a:p>
+            <a:r>
+              <a:rPr lang="en-US" smtClean="0"/>
+              <a:t>dmitry@protopopov.ru</a:t>
+            </a:r>
+            <a:endParaRPr lang="ru-RU"/>
           </a:p>
         </p:txBody>
       </p:sp>
@@ -7705,6 +8445,29 @@
           </a:p>
         </p:txBody>
       </p:sp>
+      <p:sp>
+        <p:nvSpPr>
+          <p:cNvPr id="4" name="Нижний колонтитул 3"/>
+          <p:cNvSpPr>
+            <a:spLocks noGrp="1"/>
+          </p:cNvSpPr>
+          <p:nvPr>
+            <p:ph type="ftr" sz="quarter" idx="11"/>
+          </p:nvPr>
+        </p:nvSpPr>
+        <p:spPr/>
+        <p:txBody>
+          <a:bodyPr/>
+          <a:lstStyle/>
+          <a:p>
+            <a:r>
+              <a:rPr lang="en-US" smtClean="0"/>
+              <a:t>dmitry@protopopov.ru</a:t>
+            </a:r>
+            <a:endParaRPr lang="ru-RU"/>
+          </a:p>
+        </p:txBody>
+      </p:sp>
     </p:spTree>
     <p:extLst>
       <p:ext uri="{BB962C8B-B14F-4D97-AF65-F5344CB8AC3E}">
@@ -7815,6 +8578,29 @@
           </a:p>
         </p:txBody>
       </p:sp>
+      <p:sp>
+        <p:nvSpPr>
+          <p:cNvPr id="4" name="Нижний колонтитул 3"/>
+          <p:cNvSpPr>
+            <a:spLocks noGrp="1"/>
+          </p:cNvSpPr>
+          <p:nvPr>
+            <p:ph type="ftr" sz="quarter" idx="11"/>
+          </p:nvPr>
+        </p:nvSpPr>
+        <p:spPr/>
+        <p:txBody>
+          <a:bodyPr/>
+          <a:lstStyle/>
+          <a:p>
+            <a:r>
+              <a:rPr lang="en-US" smtClean="0"/>
+              <a:t>dmitry@protopopov.ru</a:t>
+            </a:r>
+            <a:endParaRPr lang="ru-RU"/>
+          </a:p>
+        </p:txBody>
+      </p:sp>
     </p:spTree>
     <p:extLst>
       <p:ext uri="{BB962C8B-B14F-4D97-AF65-F5344CB8AC3E}">
@@ -14261,6 +15047,29 @@
           </a:p>
         </p:txBody>
       </p:sp>
+      <p:sp>
+        <p:nvSpPr>
+          <p:cNvPr id="16" name="Нижний колонтитул 15"/>
+          <p:cNvSpPr>
+            <a:spLocks noGrp="1"/>
+          </p:cNvSpPr>
+          <p:nvPr>
+            <p:ph type="ftr" sz="quarter" idx="11"/>
+          </p:nvPr>
+        </p:nvSpPr>
+        <p:spPr/>
+        <p:txBody>
+          <a:bodyPr/>
+          <a:lstStyle/>
+          <a:p>
+            <a:r>
+              <a:rPr lang="en-US" smtClean="0"/>
+              <a:t>dmitry@protopopov.ru</a:t>
+            </a:r>
+            <a:endParaRPr lang="ru-RU"/>
+          </a:p>
+        </p:txBody>
+      </p:sp>
     </p:spTree>
     <p:extLst>
       <p:ext uri="{BB962C8B-B14F-4D97-AF65-F5344CB8AC3E}">
@@ -14490,6 +15299,29 @@
           </a:p>
         </p:txBody>
       </p:sp>
+      <p:sp>
+        <p:nvSpPr>
+          <p:cNvPr id="2" name="Нижний колонтитул 1"/>
+          <p:cNvSpPr>
+            <a:spLocks noGrp="1"/>
+          </p:cNvSpPr>
+          <p:nvPr>
+            <p:ph type="ftr" sz="quarter" idx="11"/>
+          </p:nvPr>
+        </p:nvSpPr>
+        <p:spPr/>
+        <p:txBody>
+          <a:bodyPr/>
+          <a:lstStyle/>
+          <a:p>
+            <a:r>
+              <a:rPr lang="en-US" smtClean="0"/>
+              <a:t>dmitry@protopopov.ru</a:t>
+            </a:r>
+            <a:endParaRPr lang="ru-RU"/>
+          </a:p>
+        </p:txBody>
+      </p:sp>
     </p:spTree>
     <p:extLst>
       <p:ext uri="{BB962C8B-B14F-4D97-AF65-F5344CB8AC3E}">
@@ -14844,6 +15676,29 @@
           </a:p>
         </p:txBody>
       </p:sp>
+      <p:sp>
+        <p:nvSpPr>
+          <p:cNvPr id="2" name="Нижний колонтитул 1"/>
+          <p:cNvSpPr>
+            <a:spLocks noGrp="1"/>
+          </p:cNvSpPr>
+          <p:nvPr>
+            <p:ph type="ftr" sz="quarter" idx="11"/>
+          </p:nvPr>
+        </p:nvSpPr>
+        <p:spPr/>
+        <p:txBody>
+          <a:bodyPr/>
+          <a:lstStyle/>
+          <a:p>
+            <a:r>
+              <a:rPr lang="en-US" smtClean="0"/>
+              <a:t>dmitry@protopopov.ru</a:t>
+            </a:r>
+            <a:endParaRPr lang="ru-RU"/>
+          </a:p>
+        </p:txBody>
+      </p:sp>
     </p:spTree>
     <p:extLst>
       <p:ext uri="{BB962C8B-B14F-4D97-AF65-F5344CB8AC3E}">
@@ -14945,23 +15800,7 @@
             </a:r>
             <a:r>
               <a:rPr lang="ru-RU" dirty="0" smtClean="0"/>
-              <a:t>для разделения исходного массива на </a:t>
-            </a:r>
-            <a:r>
-              <a:rPr lang="ru-RU" dirty="0" err="1" smtClean="0"/>
-              <a:t>подмассивы</a:t>
-            </a:r>
-            <a:r>
-              <a:rPr lang="ru-RU" dirty="0" smtClean="0"/>
-              <a:t> создаётся массив индексов – индекса первого элемента </a:t>
-            </a:r>
-            <a:r>
-              <a:rPr lang="ru-RU" dirty="0" err="1" smtClean="0"/>
-              <a:t>подмассива</a:t>
-            </a:r>
-            <a:r>
-              <a:rPr lang="ru-RU" dirty="0" smtClean="0"/>
-              <a:t> в исходном массиве</a:t>
+              <a:t>для разделения исходного массива на подмассивы создаётся массив индексов – индекса первого элемента подмассива в исходном массиве</a:t>
             </a:r>
             <a:endParaRPr lang="en-US" dirty="0"/>
           </a:p>
@@ -15026,6 +15865,29 @@
           </a:p>
           <a:p>
             <a:endParaRPr lang="ru-RU" dirty="0"/>
+          </a:p>
+        </p:txBody>
+      </p:sp>
+      <p:sp>
+        <p:nvSpPr>
+          <p:cNvPr id="4" name="Нижний колонтитул 3"/>
+          <p:cNvSpPr>
+            <a:spLocks noGrp="1"/>
+          </p:cNvSpPr>
+          <p:nvPr>
+            <p:ph type="ftr" sz="quarter" idx="11"/>
+          </p:nvPr>
+        </p:nvSpPr>
+        <p:spPr/>
+        <p:txBody>
+          <a:bodyPr/>
+          <a:lstStyle/>
+          <a:p>
+            <a:r>
+              <a:rPr lang="en-US" smtClean="0"/>
+              <a:t>dmitry@protopopov.ru</a:t>
+            </a:r>
+            <a:endParaRPr lang="ru-RU"/>
           </a:p>
         </p:txBody>
       </p:sp>
@@ -15175,6 +16037,29 @@
               <a:buNone/>
             </a:pPr>
             <a:endParaRPr lang="ru-RU" dirty="0"/>
+          </a:p>
+        </p:txBody>
+      </p:sp>
+      <p:sp>
+        <p:nvSpPr>
+          <p:cNvPr id="4" name="Нижний колонтитул 3"/>
+          <p:cNvSpPr>
+            <a:spLocks noGrp="1"/>
+          </p:cNvSpPr>
+          <p:nvPr>
+            <p:ph type="ftr" sz="quarter" idx="11"/>
+          </p:nvPr>
+        </p:nvSpPr>
+        <p:spPr/>
+        <p:txBody>
+          <a:bodyPr/>
+          <a:lstStyle/>
+          <a:p>
+            <a:r>
+              <a:rPr lang="en-US" smtClean="0"/>
+              <a:t>dmitry@protopopov.ru</a:t>
+            </a:r>
+            <a:endParaRPr lang="ru-RU"/>
           </a:p>
         </p:txBody>
       </p:sp>
@@ -15453,4 +16338,265 @@
     </a:ext>
   </a:extLst>
 </a:theme>
+</file>
+
+<file path=ppt/theme/theme2.xml><?xml version="1.0" encoding="utf-8"?>
+<a:theme xmlns:a="http://schemas.openxmlformats.org/drawingml/2006/main" name="Тема Office">
+  <a:themeElements>
+    <a:clrScheme name="Стандартная">
+      <a:dk1>
+        <a:sysClr val="windowText" lastClr="000000"/>
+      </a:dk1>
+      <a:lt1>
+        <a:sysClr val="window" lastClr="FFFFFF"/>
+      </a:lt1>
+      <a:dk2>
+        <a:srgbClr val="44546A"/>
+      </a:dk2>
+      <a:lt2>
+        <a:srgbClr val="E7E6E6"/>
+      </a:lt2>
+      <a:accent1>
+        <a:srgbClr val="5B9BD5"/>
+      </a:accent1>
+      <a:accent2>
+        <a:srgbClr val="ED7D31"/>
+      </a:accent2>
+      <a:accent3>
+        <a:srgbClr val="A5A5A5"/>
+      </a:accent3>
+      <a:accent4>
+        <a:srgbClr val="FFC000"/>
+      </a:accent4>
+      <a:accent5>
+        <a:srgbClr val="4472C4"/>
+      </a:accent5>
+      <a:accent6>
+        <a:srgbClr val="70AD47"/>
+      </a:accent6>
+      <a:hlink>
+        <a:srgbClr val="0563C1"/>
+      </a:hlink>
+      <a:folHlink>
+        <a:srgbClr val="954F72"/>
+      </a:folHlink>
+    </a:clrScheme>
+    <a:fontScheme name="Стандартная">
+      <a:majorFont>
+        <a:latin typeface="Calibri Light" panose="020F0302020204030204"/>
+        <a:ea typeface=""/>
+        <a:cs typeface=""/>
+        <a:font script="Jpan" typeface="ＭＳ Ｐゴシック"/>
+        <a:font script="Hang" typeface="맑은 고딕"/>
+        <a:font script="Hans" typeface="宋体"/>
+        <a:font script="Hant" typeface="新細明體"/>
+        <a:font script="Arab" typeface="Times New Roman"/>
+        <a:font script="Hebr" typeface="Times New Roman"/>
+        <a:font script="Thai" typeface="Angsana New"/>
+        <a:font script="Ethi" typeface="Nyala"/>
+        <a:font script="Beng" typeface="Vrinda"/>
+        <a:font script="Gujr" typeface="Shruti"/>
+        <a:font script="Khmr" typeface="MoolBoran"/>
+        <a:font script="Knda" typeface="Tunga"/>
+        <a:font script="Guru" typeface="Raavi"/>
+        <a:font script="Cans" typeface="Euphemia"/>
+        <a:font script="Cher" typeface="Plantagenet Cherokee"/>
+        <a:font script="Yiii" typeface="Microsoft Yi Baiti"/>
+        <a:font script="Tibt" typeface="Microsoft Himalaya"/>
+        <a:font script="Thaa" typeface="MV Boli"/>
+        <a:font script="Deva" typeface="Mangal"/>
+        <a:font script="Telu" typeface="Gautami"/>
+        <a:font script="Taml" typeface="Latha"/>
+        <a:font script="Syrc" typeface="Estrangelo Edessa"/>
+        <a:font script="Orya" typeface="Kalinga"/>
+        <a:font script="Mlym" typeface="Kartika"/>
+        <a:font script="Laoo" typeface="DokChampa"/>
+        <a:font script="Sinh" typeface="Iskoola Pota"/>
+        <a:font script="Mong" typeface="Mongolian Baiti"/>
+        <a:font script="Viet" typeface="Times New Roman"/>
+        <a:font script="Uigh" typeface="Microsoft Uighur"/>
+        <a:font script="Geor" typeface="Sylfaen"/>
+      </a:majorFont>
+      <a:minorFont>
+        <a:latin typeface="Calibri" panose="020F0502020204030204"/>
+        <a:ea typeface=""/>
+        <a:cs typeface=""/>
+        <a:font script="Jpan" typeface="ＭＳ Ｐゴシック"/>
+        <a:font script="Hang" typeface="맑은 고딕"/>
+        <a:font script="Hans" typeface="宋体"/>
+        <a:font script="Hant" typeface="新細明體"/>
+        <a:font script="Arab" typeface="Arial"/>
+        <a:font script="Hebr" typeface="Arial"/>
+        <a:font script="Thai" typeface="Cordia New"/>
+        <a:font script="Ethi" typeface="Nyala"/>
+        <a:font script="Beng" typeface="Vrinda"/>
+        <a:font script="Gujr" typeface="Shruti"/>
+        <a:font script="Khmr" typeface="DaunPenh"/>
+        <a:font script="Knda" typeface="Tunga"/>
+        <a:font script="Guru" typeface="Raavi"/>
+        <a:font script="Cans" typeface="Euphemia"/>
+        <a:font script="Cher" typeface="Plantagenet Cherokee"/>
+        <a:font script="Yiii" typeface="Microsoft Yi Baiti"/>
+        <a:font script="Tibt" typeface="Microsoft Himalaya"/>
+        <a:font script="Thaa" typeface="MV Boli"/>
+        <a:font script="Deva" typeface="Mangal"/>
+        <a:font script="Telu" typeface="Gautami"/>
+        <a:font script="Taml" typeface="Latha"/>
+        <a:font script="Syrc" typeface="Estrangelo Edessa"/>
+        <a:font script="Orya" typeface="Kalinga"/>
+        <a:font script="Mlym" typeface="Kartika"/>
+        <a:font script="Laoo" typeface="DokChampa"/>
+        <a:font script="Sinh" typeface="Iskoola Pota"/>
+        <a:font script="Mong" typeface="Mongolian Baiti"/>
+        <a:font script="Viet" typeface="Arial"/>
+        <a:font script="Uigh" typeface="Microsoft Uighur"/>
+        <a:font script="Geor" typeface="Sylfaen"/>
+      </a:minorFont>
+    </a:fontScheme>
+    <a:fmtScheme name="Стандартная">
+      <a:fillStyleLst>
+        <a:solidFill>
+          <a:schemeClr val="phClr"/>
+        </a:solidFill>
+        <a:gradFill rotWithShape="1">
+          <a:gsLst>
+            <a:gs pos="0">
+              <a:schemeClr val="phClr">
+                <a:lumMod val="110000"/>
+                <a:satMod val="105000"/>
+                <a:tint val="67000"/>
+              </a:schemeClr>
+            </a:gs>
+            <a:gs pos="50000">
+              <a:schemeClr val="phClr">
+                <a:lumMod val="105000"/>
+                <a:satMod val="103000"/>
+                <a:tint val="73000"/>
+              </a:schemeClr>
+            </a:gs>
+            <a:gs pos="100000">
+              <a:schemeClr val="phClr">
+                <a:lumMod val="105000"/>
+                <a:satMod val="109000"/>
+                <a:tint val="81000"/>
+              </a:schemeClr>
+            </a:gs>
+          </a:gsLst>
+          <a:lin ang="5400000" scaled="0"/>
+        </a:gradFill>
+        <a:gradFill rotWithShape="1">
+          <a:gsLst>
+            <a:gs pos="0">
+              <a:schemeClr val="phClr">
+                <a:satMod val="103000"/>
+                <a:lumMod val="102000"/>
+                <a:tint val="94000"/>
+              </a:schemeClr>
+            </a:gs>
+            <a:gs pos="50000">
+              <a:schemeClr val="phClr">
+                <a:satMod val="110000"/>
+                <a:lumMod val="100000"/>
+                <a:shade val="100000"/>
+              </a:schemeClr>
+            </a:gs>
+            <a:gs pos="100000">
+              <a:schemeClr val="phClr">
+                <a:lumMod val="99000"/>
+                <a:satMod val="120000"/>
+                <a:shade val="78000"/>
+              </a:schemeClr>
+            </a:gs>
+          </a:gsLst>
+          <a:lin ang="5400000" scaled="0"/>
+        </a:gradFill>
+      </a:fillStyleLst>
+      <a:lnStyleLst>
+        <a:ln w="6350" cap="flat" cmpd="sng" algn="ctr">
+          <a:solidFill>
+            <a:schemeClr val="phClr"/>
+          </a:solidFill>
+          <a:prstDash val="solid"/>
+          <a:miter lim="800000"/>
+        </a:ln>
+        <a:ln w="12700" cap="flat" cmpd="sng" algn="ctr">
+          <a:solidFill>
+            <a:schemeClr val="phClr"/>
+          </a:solidFill>
+          <a:prstDash val="solid"/>
+          <a:miter lim="800000"/>
+        </a:ln>
+        <a:ln w="19050" cap="flat" cmpd="sng" algn="ctr">
+          <a:solidFill>
+            <a:schemeClr val="phClr"/>
+          </a:solidFill>
+          <a:prstDash val="solid"/>
+          <a:miter lim="800000"/>
+        </a:ln>
+      </a:lnStyleLst>
+      <a:effectStyleLst>
+        <a:effectStyle>
+          <a:effectLst/>
+        </a:effectStyle>
+        <a:effectStyle>
+          <a:effectLst/>
+        </a:effectStyle>
+        <a:effectStyle>
+          <a:effectLst>
+            <a:outerShdw blurRad="57150" dist="19050" dir="5400000" algn="ctr" rotWithShape="0">
+              <a:srgbClr val="000000">
+                <a:alpha val="63000"/>
+              </a:srgbClr>
+            </a:outerShdw>
+          </a:effectLst>
+        </a:effectStyle>
+      </a:effectStyleLst>
+      <a:bgFillStyleLst>
+        <a:solidFill>
+          <a:schemeClr val="phClr"/>
+        </a:solidFill>
+        <a:solidFill>
+          <a:schemeClr val="phClr">
+            <a:tint val="95000"/>
+            <a:satMod val="170000"/>
+          </a:schemeClr>
+        </a:solidFill>
+        <a:gradFill rotWithShape="1">
+          <a:gsLst>
+            <a:gs pos="0">
+              <a:schemeClr val="phClr">
+                <a:tint val="93000"/>
+                <a:satMod val="150000"/>
+                <a:shade val="98000"/>
+                <a:lumMod val="102000"/>
+              </a:schemeClr>
+            </a:gs>
+            <a:gs pos="50000">
+              <a:schemeClr val="phClr">
+                <a:tint val="98000"/>
+                <a:satMod val="130000"/>
+                <a:shade val="90000"/>
+                <a:lumMod val="103000"/>
+              </a:schemeClr>
+            </a:gs>
+            <a:gs pos="100000">
+              <a:schemeClr val="phClr">
+                <a:shade val="63000"/>
+                <a:satMod val="120000"/>
+              </a:schemeClr>
+            </a:gs>
+          </a:gsLst>
+          <a:lin ang="5400000" scaled="0"/>
+        </a:gradFill>
+      </a:bgFillStyleLst>
+    </a:fmtScheme>
+  </a:themeElements>
+  <a:objectDefaults/>
+  <a:extraClrSchemeLst/>
+  <a:extLst>
+    <a:ext uri="{05A4C25C-085E-4340-85A3-A5531E510DB2}">
+      <thm15:themeFamily xmlns:thm15="http://schemas.microsoft.com/office/thememl/2012/main" name="Office Theme" id="{62F939B6-93AF-4DB8-9C6B-D6C7DFDC589F}" vid="{4A3C46E8-61CC-4603-A589-7422A47A8E4A}"/>
+    </a:ext>
+  </a:extLst>
+</a:theme>
 </file>